--- a/EDA.pptx
+++ b/EDA.pptx
@@ -4,6 +4,9 @@
   <p:sldMasterIdLst>
     <p:sldMasterId id="2147483648" r:id="rId1"/>
   </p:sldMasterIdLst>
+  <p:notesMasterIdLst>
+    <p:notesMasterId r:id="rId20"/>
+  </p:notesMasterIdLst>
   <p:sldIdLst>
     <p:sldId id="256" r:id="rId2"/>
     <p:sldId id="257" r:id="rId3"/>
@@ -16,14 +19,13 @@
     <p:sldId id="264" r:id="rId10"/>
     <p:sldId id="266" r:id="rId11"/>
     <p:sldId id="267" r:id="rId12"/>
-    <p:sldId id="269" r:id="rId13"/>
-    <p:sldId id="271" r:id="rId14"/>
-    <p:sldId id="265" r:id="rId15"/>
-    <p:sldId id="268" r:id="rId16"/>
-    <p:sldId id="270" r:id="rId17"/>
-    <p:sldId id="272" r:id="rId18"/>
-    <p:sldId id="273" r:id="rId19"/>
-    <p:sldId id="274" r:id="rId20"/>
+    <p:sldId id="271" r:id="rId13"/>
+    <p:sldId id="265" r:id="rId14"/>
+    <p:sldId id="268" r:id="rId15"/>
+    <p:sldId id="270" r:id="rId16"/>
+    <p:sldId id="272" r:id="rId17"/>
+    <p:sldId id="273" r:id="rId18"/>
+    <p:sldId id="274" r:id="rId19"/>
   </p:sldIdLst>
   <p:sldSz cx="12192000" cy="6858000"/>
   <p:notesSz cx="6858000" cy="9144000"/>
@@ -125,6 +127,355 @@
 </p:presentation>
 </file>
 
+<file path=ppt/notesMasters/notesMaster1.xml><?xml version="1.0" encoding="utf-8"?>
+<p:notesMaster xmlns:a="http://schemas.openxmlformats.org/drawingml/2006/main" xmlns:r="http://schemas.openxmlformats.org/officeDocument/2006/relationships" xmlns:p="http://schemas.openxmlformats.org/presentationml/2006/main">
+  <p:cSld>
+    <p:bg>
+      <p:bgRef idx="1001">
+        <a:schemeClr val="bg1"/>
+      </p:bgRef>
+    </p:bg>
+    <p:spTree>
+      <p:nvGrpSpPr>
+        <p:cNvPr id="1" name=""/>
+        <p:cNvGrpSpPr/>
+        <p:nvPr/>
+      </p:nvGrpSpPr>
+      <p:grpSpPr>
+        <a:xfrm>
+          <a:off x="0" y="0"/>
+          <a:ext cx="0" cy="0"/>
+          <a:chOff x="0" y="0"/>
+          <a:chExt cx="0" cy="0"/>
+        </a:xfrm>
+      </p:grpSpPr>
+      <p:sp>
+        <p:nvSpPr>
+          <p:cNvPr id="2" name="Header Placeholder 1"/>
+          <p:cNvSpPr>
+            <a:spLocks noGrp="1"/>
+          </p:cNvSpPr>
+          <p:nvPr>
+            <p:ph type="hdr" sz="quarter"/>
+          </p:nvPr>
+        </p:nvSpPr>
+        <p:spPr>
+          <a:xfrm>
+            <a:off x="0" y="0"/>
+            <a:ext cx="2971800" cy="458788"/>
+          </a:xfrm>
+          <a:prstGeom prst="rect">
+            <a:avLst/>
+          </a:prstGeom>
+        </p:spPr>
+        <p:txBody>
+          <a:bodyPr vert="horz" lIns="91440" tIns="45720" rIns="91440" bIns="45720" rtlCol="0"/>
+          <a:lstStyle>
+            <a:lvl1pPr algn="l">
+              <a:defRPr sz="1200"/>
+            </a:lvl1pPr>
+          </a:lstStyle>
+          <a:p>
+            <a:endParaRPr lang="en-US"/>
+          </a:p>
+        </p:txBody>
+      </p:sp>
+      <p:sp>
+        <p:nvSpPr>
+          <p:cNvPr id="3" name="Date Placeholder 2"/>
+          <p:cNvSpPr>
+            <a:spLocks noGrp="1"/>
+          </p:cNvSpPr>
+          <p:nvPr>
+            <p:ph type="dt" idx="1"/>
+          </p:nvPr>
+        </p:nvSpPr>
+        <p:spPr>
+          <a:xfrm>
+            <a:off x="3884613" y="0"/>
+            <a:ext cx="2971800" cy="458788"/>
+          </a:xfrm>
+          <a:prstGeom prst="rect">
+            <a:avLst/>
+          </a:prstGeom>
+        </p:spPr>
+        <p:txBody>
+          <a:bodyPr vert="horz" lIns="91440" tIns="45720" rIns="91440" bIns="45720" rtlCol="0"/>
+          <a:lstStyle>
+            <a:lvl1pPr algn="r">
+              <a:defRPr sz="1200"/>
+            </a:lvl1pPr>
+          </a:lstStyle>
+          <a:p>
+            <a:fld id="{911679D0-676C-474D-AA84-683892C1E3F0}" type="datetimeFigureOut">
+              <a:rPr lang="en-US" smtClean="0"/>
+              <a:t>1/30/2020</a:t>
+            </a:fld>
+            <a:endParaRPr lang="en-US"/>
+          </a:p>
+        </p:txBody>
+      </p:sp>
+      <p:sp>
+        <p:nvSpPr>
+          <p:cNvPr id="4" name="Slide Image Placeholder 3"/>
+          <p:cNvSpPr>
+            <a:spLocks noGrp="1" noRot="1" noChangeAspect="1"/>
+          </p:cNvSpPr>
+          <p:nvPr>
+            <p:ph type="sldImg" idx="2"/>
+          </p:nvPr>
+        </p:nvSpPr>
+        <p:spPr>
+          <a:xfrm>
+            <a:off x="685800" y="1143000"/>
+            <a:ext cx="5486400" cy="3086100"/>
+          </a:xfrm>
+          <a:prstGeom prst="rect">
+            <a:avLst/>
+          </a:prstGeom>
+          <a:noFill/>
+          <a:ln w="12700">
+            <a:solidFill>
+              <a:prstClr val="black"/>
+            </a:solidFill>
+          </a:ln>
+        </p:spPr>
+        <p:txBody>
+          <a:bodyPr vert="horz" lIns="91440" tIns="45720" rIns="91440" bIns="45720" rtlCol="0" anchor="ctr"/>
+          <a:lstStyle/>
+          <a:p>
+            <a:endParaRPr lang="en-US"/>
+          </a:p>
+        </p:txBody>
+      </p:sp>
+      <p:sp>
+        <p:nvSpPr>
+          <p:cNvPr id="5" name="Notes Placeholder 4"/>
+          <p:cNvSpPr>
+            <a:spLocks noGrp="1"/>
+          </p:cNvSpPr>
+          <p:nvPr>
+            <p:ph type="body" sz="quarter" idx="3"/>
+          </p:nvPr>
+        </p:nvSpPr>
+        <p:spPr>
+          <a:xfrm>
+            <a:off x="685800" y="4400550"/>
+            <a:ext cx="5486400" cy="3600450"/>
+          </a:xfrm>
+          <a:prstGeom prst="rect">
+            <a:avLst/>
+          </a:prstGeom>
+        </p:spPr>
+        <p:txBody>
+          <a:bodyPr vert="horz" lIns="91440" tIns="45720" rIns="91440" bIns="45720" rtlCol="0"/>
+          <a:lstStyle/>
+          <a:p>
+            <a:pPr lvl="0"/>
+            <a:r>
+              <a:rPr lang="en-US"/>
+              <a:t>Click to edit Master text styles</a:t>
+            </a:r>
+          </a:p>
+          <a:p>
+            <a:pPr lvl="1"/>
+            <a:r>
+              <a:rPr lang="en-US"/>
+              <a:t>Second level</a:t>
+            </a:r>
+          </a:p>
+          <a:p>
+            <a:pPr lvl="2"/>
+            <a:r>
+              <a:rPr lang="en-US"/>
+              <a:t>Third level</a:t>
+            </a:r>
+          </a:p>
+          <a:p>
+            <a:pPr lvl="3"/>
+            <a:r>
+              <a:rPr lang="en-US"/>
+              <a:t>Fourth level</a:t>
+            </a:r>
+          </a:p>
+          <a:p>
+            <a:pPr lvl="4"/>
+            <a:r>
+              <a:rPr lang="en-US"/>
+              <a:t>Fifth level</a:t>
+            </a:r>
+          </a:p>
+        </p:txBody>
+      </p:sp>
+      <p:sp>
+        <p:nvSpPr>
+          <p:cNvPr id="6" name="Footer Placeholder 5"/>
+          <p:cNvSpPr>
+            <a:spLocks noGrp="1"/>
+          </p:cNvSpPr>
+          <p:nvPr>
+            <p:ph type="ftr" sz="quarter" idx="4"/>
+          </p:nvPr>
+        </p:nvSpPr>
+        <p:spPr>
+          <a:xfrm>
+            <a:off x="0" y="8685213"/>
+            <a:ext cx="2971800" cy="458787"/>
+          </a:xfrm>
+          <a:prstGeom prst="rect">
+            <a:avLst/>
+          </a:prstGeom>
+        </p:spPr>
+        <p:txBody>
+          <a:bodyPr vert="horz" lIns="91440" tIns="45720" rIns="91440" bIns="45720" rtlCol="0" anchor="b"/>
+          <a:lstStyle>
+            <a:lvl1pPr algn="l">
+              <a:defRPr sz="1200"/>
+            </a:lvl1pPr>
+          </a:lstStyle>
+          <a:p>
+            <a:endParaRPr lang="en-US"/>
+          </a:p>
+        </p:txBody>
+      </p:sp>
+      <p:sp>
+        <p:nvSpPr>
+          <p:cNvPr id="7" name="Slide Number Placeholder 6"/>
+          <p:cNvSpPr>
+            <a:spLocks noGrp="1"/>
+          </p:cNvSpPr>
+          <p:nvPr>
+            <p:ph type="sldNum" sz="quarter" idx="5"/>
+          </p:nvPr>
+        </p:nvSpPr>
+        <p:spPr>
+          <a:xfrm>
+            <a:off x="3884613" y="8685213"/>
+            <a:ext cx="2971800" cy="458787"/>
+          </a:xfrm>
+          <a:prstGeom prst="rect">
+            <a:avLst/>
+          </a:prstGeom>
+        </p:spPr>
+        <p:txBody>
+          <a:bodyPr vert="horz" lIns="91440" tIns="45720" rIns="91440" bIns="45720" rtlCol="0" anchor="b"/>
+          <a:lstStyle>
+            <a:lvl1pPr algn="r">
+              <a:defRPr sz="1200"/>
+            </a:lvl1pPr>
+          </a:lstStyle>
+          <a:p>
+            <a:fld id="{9BE5E461-8ACF-4F63-AEB3-2E7E94E18F84}" type="slidenum">
+              <a:rPr lang="en-US" smtClean="0"/>
+              <a:t>‹#›</a:t>
+            </a:fld>
+            <a:endParaRPr lang="en-US"/>
+          </a:p>
+        </p:txBody>
+      </p:sp>
+    </p:spTree>
+    <p:extLst>
+      <p:ext uri="{BB962C8B-B14F-4D97-AF65-F5344CB8AC3E}">
+        <p14:creationId xmlns:p14="http://schemas.microsoft.com/office/powerpoint/2010/main" val="1676807202"/>
+      </p:ext>
+    </p:extLst>
+  </p:cSld>
+  <p:clrMap bg1="lt1" tx1="dk1" bg2="lt2" tx2="dk2" accent1="accent1" accent2="accent2" accent3="accent3" accent4="accent4" accent5="accent5" accent6="accent6" hlink="hlink" folHlink="folHlink"/>
+  <p:notesStyle>
+    <a:lvl1pPr marL="0" algn="l" defTabSz="914400" rtl="0" eaLnBrk="1" latinLnBrk="0" hangingPunct="1">
+      <a:defRPr sz="1200" kern="1200">
+        <a:solidFill>
+          <a:schemeClr val="tx1"/>
+        </a:solidFill>
+        <a:latin typeface="+mn-lt"/>
+        <a:ea typeface="+mn-ea"/>
+        <a:cs typeface="+mn-cs"/>
+      </a:defRPr>
+    </a:lvl1pPr>
+    <a:lvl2pPr marL="457200" algn="l" defTabSz="914400" rtl="0" eaLnBrk="1" latinLnBrk="0" hangingPunct="1">
+      <a:defRPr sz="1200" kern="1200">
+        <a:solidFill>
+          <a:schemeClr val="tx1"/>
+        </a:solidFill>
+        <a:latin typeface="+mn-lt"/>
+        <a:ea typeface="+mn-ea"/>
+        <a:cs typeface="+mn-cs"/>
+      </a:defRPr>
+    </a:lvl2pPr>
+    <a:lvl3pPr marL="914400" algn="l" defTabSz="914400" rtl="0" eaLnBrk="1" latinLnBrk="0" hangingPunct="1">
+      <a:defRPr sz="1200" kern="1200">
+        <a:solidFill>
+          <a:schemeClr val="tx1"/>
+        </a:solidFill>
+        <a:latin typeface="+mn-lt"/>
+        <a:ea typeface="+mn-ea"/>
+        <a:cs typeface="+mn-cs"/>
+      </a:defRPr>
+    </a:lvl3pPr>
+    <a:lvl4pPr marL="1371600" algn="l" defTabSz="914400" rtl="0" eaLnBrk="1" latinLnBrk="0" hangingPunct="1">
+      <a:defRPr sz="1200" kern="1200">
+        <a:solidFill>
+          <a:schemeClr val="tx1"/>
+        </a:solidFill>
+        <a:latin typeface="+mn-lt"/>
+        <a:ea typeface="+mn-ea"/>
+        <a:cs typeface="+mn-cs"/>
+      </a:defRPr>
+    </a:lvl4pPr>
+    <a:lvl5pPr marL="1828800" algn="l" defTabSz="914400" rtl="0" eaLnBrk="1" latinLnBrk="0" hangingPunct="1">
+      <a:defRPr sz="1200" kern="1200">
+        <a:solidFill>
+          <a:schemeClr val="tx1"/>
+        </a:solidFill>
+        <a:latin typeface="+mn-lt"/>
+        <a:ea typeface="+mn-ea"/>
+        <a:cs typeface="+mn-cs"/>
+      </a:defRPr>
+    </a:lvl5pPr>
+    <a:lvl6pPr marL="2286000" algn="l" defTabSz="914400" rtl="0" eaLnBrk="1" latinLnBrk="0" hangingPunct="1">
+      <a:defRPr sz="1200" kern="1200">
+        <a:solidFill>
+          <a:schemeClr val="tx1"/>
+        </a:solidFill>
+        <a:latin typeface="+mn-lt"/>
+        <a:ea typeface="+mn-ea"/>
+        <a:cs typeface="+mn-cs"/>
+      </a:defRPr>
+    </a:lvl6pPr>
+    <a:lvl7pPr marL="2743200" algn="l" defTabSz="914400" rtl="0" eaLnBrk="1" latinLnBrk="0" hangingPunct="1">
+      <a:defRPr sz="1200" kern="1200">
+        <a:solidFill>
+          <a:schemeClr val="tx1"/>
+        </a:solidFill>
+        <a:latin typeface="+mn-lt"/>
+        <a:ea typeface="+mn-ea"/>
+        <a:cs typeface="+mn-cs"/>
+      </a:defRPr>
+    </a:lvl7pPr>
+    <a:lvl8pPr marL="3200400" algn="l" defTabSz="914400" rtl="0" eaLnBrk="1" latinLnBrk="0" hangingPunct="1">
+      <a:defRPr sz="1200" kern="1200">
+        <a:solidFill>
+          <a:schemeClr val="tx1"/>
+        </a:solidFill>
+        <a:latin typeface="+mn-lt"/>
+        <a:ea typeface="+mn-ea"/>
+        <a:cs typeface="+mn-cs"/>
+      </a:defRPr>
+    </a:lvl8pPr>
+    <a:lvl9pPr marL="3657600" algn="l" defTabSz="914400" rtl="0" eaLnBrk="1" latinLnBrk="0" hangingPunct="1">
+      <a:defRPr sz="1200" kern="1200">
+        <a:solidFill>
+          <a:schemeClr val="tx1"/>
+        </a:solidFill>
+        <a:latin typeface="+mn-lt"/>
+        <a:ea typeface="+mn-ea"/>
+        <a:cs typeface="+mn-cs"/>
+      </a:defRPr>
+    </a:lvl9pPr>
+  </p:notesStyle>
+</p:notesMaster>
+</file>
+
 <file path=ppt/slideLayouts/slideLayout1.xml><?xml version="1.0" encoding="utf-8"?>
 <p:sldLayout xmlns:a="http://schemas.openxmlformats.org/drawingml/2006/main" xmlns:r="http://schemas.openxmlformats.org/officeDocument/2006/relationships" xmlns:p="http://schemas.openxmlformats.org/presentationml/2006/main" type="title" preserve="1">
   <p:cSld name="Title Slide">
@@ -270,9 +621,9 @@
           <a:bodyPr/>
           <a:lstStyle/>
           <a:p>
-            <a:fld id="{F94F17B3-504E-4F4E-B1A7-D327A975EDB4}" type="datetimeFigureOut">
+            <a:fld id="{1A34AC2C-12F3-4666-8479-563D528DDAB4}" type="datetime1">
               <a:rPr lang="en-US" smtClean="0"/>
-              <a:t>1/27/2020</a:t>
+              <a:t>1/30/2020</a:t>
             </a:fld>
             <a:endParaRPr lang="en-US"/>
           </a:p>
@@ -468,9 +819,9 @@
           <a:bodyPr/>
           <a:lstStyle/>
           <a:p>
-            <a:fld id="{F94F17B3-504E-4F4E-B1A7-D327A975EDB4}" type="datetimeFigureOut">
+            <a:fld id="{40462A24-787A-4716-A023-ECCB1F12D027}" type="datetime1">
               <a:rPr lang="en-US" smtClean="0"/>
-              <a:t>1/27/2020</a:t>
+              <a:t>1/30/2020</a:t>
             </a:fld>
             <a:endParaRPr lang="en-US"/>
           </a:p>
@@ -676,9 +1027,9 @@
           <a:bodyPr/>
           <a:lstStyle/>
           <a:p>
-            <a:fld id="{F94F17B3-504E-4F4E-B1A7-D327A975EDB4}" type="datetimeFigureOut">
+            <a:fld id="{8B4A5256-96CF-47AB-8FCB-1587CE3A96F9}" type="datetime1">
               <a:rPr lang="en-US" smtClean="0"/>
-              <a:t>1/27/2020</a:t>
+              <a:t>1/30/2020</a:t>
             </a:fld>
             <a:endParaRPr lang="en-US"/>
           </a:p>
@@ -874,9 +1225,9 @@
           <a:bodyPr/>
           <a:lstStyle/>
           <a:p>
-            <a:fld id="{F94F17B3-504E-4F4E-B1A7-D327A975EDB4}" type="datetimeFigureOut">
+            <a:fld id="{387438EB-C826-4EBA-AF25-FBEC14A475A0}" type="datetime1">
               <a:rPr lang="en-US" smtClean="0"/>
-              <a:t>1/27/2020</a:t>
+              <a:t>1/30/2020</a:t>
             </a:fld>
             <a:endParaRPr lang="en-US"/>
           </a:p>
@@ -1149,9 +1500,9 @@
           <a:bodyPr/>
           <a:lstStyle/>
           <a:p>
-            <a:fld id="{F94F17B3-504E-4F4E-B1A7-D327A975EDB4}" type="datetimeFigureOut">
+            <a:fld id="{C6DBB5B6-1170-4C6F-95DE-3F45DD0AB69C}" type="datetime1">
               <a:rPr lang="en-US" smtClean="0"/>
-              <a:t>1/27/2020</a:t>
+              <a:t>1/30/2020</a:t>
             </a:fld>
             <a:endParaRPr lang="en-US"/>
           </a:p>
@@ -1414,9 +1765,9 @@
           <a:bodyPr/>
           <a:lstStyle/>
           <a:p>
-            <a:fld id="{F94F17B3-504E-4F4E-B1A7-D327A975EDB4}" type="datetimeFigureOut">
+            <a:fld id="{F021CF1A-5FC0-40BA-993F-770DF8875B7B}" type="datetime1">
               <a:rPr lang="en-US" smtClean="0"/>
-              <a:t>1/27/2020</a:t>
+              <a:t>1/30/2020</a:t>
             </a:fld>
             <a:endParaRPr lang="en-US"/>
           </a:p>
@@ -1826,9 +2177,9 @@
           <a:bodyPr/>
           <a:lstStyle/>
           <a:p>
-            <a:fld id="{F94F17B3-504E-4F4E-B1A7-D327A975EDB4}" type="datetimeFigureOut">
+            <a:fld id="{91D3DA4D-0082-4B0D-97EF-7116CCDD2D59}" type="datetime1">
               <a:rPr lang="en-US" smtClean="0"/>
-              <a:t>1/27/2020</a:t>
+              <a:t>1/30/2020</a:t>
             </a:fld>
             <a:endParaRPr lang="en-US"/>
           </a:p>
@@ -1967,9 +2318,9 @@
           <a:bodyPr/>
           <a:lstStyle/>
           <a:p>
-            <a:fld id="{F94F17B3-504E-4F4E-B1A7-D327A975EDB4}" type="datetimeFigureOut">
+            <a:fld id="{5B65BCDD-D52C-4AD8-ABE0-B315F6662569}" type="datetime1">
               <a:rPr lang="en-US" smtClean="0"/>
-              <a:t>1/27/2020</a:t>
+              <a:t>1/30/2020</a:t>
             </a:fld>
             <a:endParaRPr lang="en-US"/>
           </a:p>
@@ -2080,9 +2431,9 @@
           <a:bodyPr/>
           <a:lstStyle/>
           <a:p>
-            <a:fld id="{F94F17B3-504E-4F4E-B1A7-D327A975EDB4}" type="datetimeFigureOut">
+            <a:fld id="{DBB61700-BE22-4C1C-9C8B-3FC74DC175D8}" type="datetime1">
               <a:rPr lang="en-US" smtClean="0"/>
-              <a:t>1/27/2020</a:t>
+              <a:t>1/30/2020</a:t>
             </a:fld>
             <a:endParaRPr lang="en-US"/>
           </a:p>
@@ -2391,9 +2742,9 @@
           <a:bodyPr/>
           <a:lstStyle/>
           <a:p>
-            <a:fld id="{F94F17B3-504E-4F4E-B1A7-D327A975EDB4}" type="datetimeFigureOut">
+            <a:fld id="{D0D85C6B-5A43-41B8-87AC-963FD992CC8A}" type="datetime1">
               <a:rPr lang="en-US" smtClean="0"/>
-              <a:t>1/27/2020</a:t>
+              <a:t>1/30/2020</a:t>
             </a:fld>
             <a:endParaRPr lang="en-US"/>
           </a:p>
@@ -2679,9 +3030,9 @@
           <a:bodyPr/>
           <a:lstStyle/>
           <a:p>
-            <a:fld id="{F94F17B3-504E-4F4E-B1A7-D327A975EDB4}" type="datetimeFigureOut">
+            <a:fld id="{5CA1BE3F-74C9-46CA-9C87-F53D5C68F312}" type="datetime1">
               <a:rPr lang="en-US" smtClean="0"/>
-              <a:t>1/27/2020</a:t>
+              <a:t>1/30/2020</a:t>
             </a:fld>
             <a:endParaRPr lang="en-US"/>
           </a:p>
@@ -2920,9 +3271,9 @@
             </a:lvl1pPr>
           </a:lstStyle>
           <a:p>
-            <a:fld id="{F94F17B3-504E-4F4E-B1A7-D327A975EDB4}" type="datetimeFigureOut">
+            <a:fld id="{17395621-B9C8-4FC0-9D2F-2AC401B9DAD5}" type="datetime1">
               <a:rPr lang="en-US" smtClean="0"/>
-              <a:t>1/27/2020</a:t>
+              <a:t>1/30/2020</a:t>
             </a:fld>
             <a:endParaRPr lang="en-US"/>
           </a:p>
@@ -3039,6 +3390,7 @@
     <p:sldLayoutId id="2147483658" r:id="rId10"/>
     <p:sldLayoutId id="2147483659" r:id="rId11"/>
   </p:sldLayoutIdLst>
+  <p:hf hdr="0" ftr="0" dt="0"/>
   <p:txStyles>
     <p:titleStyle>
       <a:lvl1pPr algn="l" defTabSz="914400" rtl="0" eaLnBrk="1" latinLnBrk="0" hangingPunct="1">
@@ -3392,6 +3744,35 @@
           </a:p>
         </p:txBody>
       </p:sp>
+      <p:sp>
+        <p:nvSpPr>
+          <p:cNvPr id="4" name="Slide Number Placeholder 3">
+            <a:extLst>
+              <a:ext uri="{FF2B5EF4-FFF2-40B4-BE49-F238E27FC236}">
+                <a16:creationId xmlns:a16="http://schemas.microsoft.com/office/drawing/2014/main" id="{DBF0EE65-E7FC-4E39-8D56-FBE0DA9438A2}"/>
+              </a:ext>
+            </a:extLst>
+          </p:cNvPr>
+          <p:cNvSpPr>
+            <a:spLocks noGrp="1"/>
+          </p:cNvSpPr>
+          <p:nvPr>
+            <p:ph type="sldNum" sz="quarter" idx="12"/>
+          </p:nvPr>
+        </p:nvSpPr>
+        <p:spPr/>
+        <p:txBody>
+          <a:bodyPr/>
+          <a:lstStyle/>
+          <a:p>
+            <a:fld id="{30E63449-98BB-4437-922A-D2046F78C84B}" type="slidenum">
+              <a:rPr lang="en-US" smtClean="0"/>
+              <a:t>1</a:t>
+            </a:fld>
+            <a:endParaRPr lang="en-US"/>
+          </a:p>
+        </p:txBody>
+      </p:sp>
     </p:spTree>
     <p:extLst>
       <p:ext uri="{BB962C8B-B14F-4D97-AF65-F5344CB8AC3E}">
@@ -3411,7 +3792,7 @@
     <p:bg>
       <p:bgPr>
         <a:solidFill>
-          <a:schemeClr val="bg2"/>
+          <a:schemeClr val="bg1"/>
         </a:solidFill>
         <a:effectLst/>
       </p:bgPr>
@@ -3430,220 +3811,88 @@
           <a:chExt cx="0" cy="0"/>
         </a:xfrm>
       </p:grpSpPr>
-      <p:sp>
-        <p:nvSpPr>
-          <p:cNvPr id="10" name="Rectangle 9">
-            <a:extLst>
-              <a:ext uri="{FF2B5EF4-FFF2-40B4-BE49-F238E27FC236}">
-                <a16:creationId xmlns:a16="http://schemas.microsoft.com/office/drawing/2014/main" id="{BEE73255-8084-4DF9-BB0B-15EAC92E2CB9}"/>
-              </a:ext>
-              <a:ext uri="{C183D7F6-B498-43B3-948B-1728B52AA6E4}">
-                <adec:decorative xmlns:adec="http://schemas.microsoft.com/office/drawing/2017/decorative" val="1"/>
-              </a:ext>
-            </a:extLst>
-          </p:cNvPr>
-          <p:cNvSpPr>
-            <a:spLocks noGrp="1" noRot="1" noChangeAspect="1" noMove="1" noResize="1" noEditPoints="1" noAdjustHandles="1" noChangeArrowheads="1" noChangeShapeType="1" noTextEdit="1"/>
-          </p:cNvSpPr>
-          <p:nvPr>
-            <p:extLst>
-              <p:ext uri="{386F3935-93C4-4BCD-93E2-E3B085C9AB24}">
-                <p16:designElem xmlns:p16="http://schemas.microsoft.com/office/powerpoint/2015/main" val="1"/>
-              </p:ext>
-            </p:extLst>
-          </p:nvPr>
-        </p:nvSpPr>
+      <p:pic>
+        <p:nvPicPr>
+          <p:cNvPr id="8" name="Picture 7" descr="A close up of text on a white background&#10;&#10;Description automatically generated">
+            <a:extLst>
+              <a:ext uri="{FF2B5EF4-FFF2-40B4-BE49-F238E27FC236}">
+                <a16:creationId xmlns:a16="http://schemas.microsoft.com/office/drawing/2014/main" id="{66183F57-1E2B-4592-A1C3-314F13512C7D}"/>
+              </a:ext>
+            </a:extLst>
+          </p:cNvPr>
+          <p:cNvPicPr>
+            <a:picLocks noChangeAspect="1"/>
+          </p:cNvPicPr>
+          <p:nvPr/>
+        </p:nvPicPr>
+        <p:blipFill>
+          <a:blip r:embed="rId2">
+            <a:extLst>
+              <a:ext uri="{28A0092B-C50C-407E-A947-70E740481C1C}">
+                <a14:useLocalDpi xmlns:a14="http://schemas.microsoft.com/office/drawing/2010/main" val="0"/>
+              </a:ext>
+            </a:extLst>
+          </a:blip>
+          <a:stretch>
+            <a:fillRect/>
+          </a:stretch>
+        </p:blipFill>
         <p:spPr>
           <a:xfrm>
-            <a:off x="0" y="0"/>
-            <a:ext cx="12192000" cy="6858000"/>
+            <a:off x="1163454" y="136526"/>
+            <a:ext cx="9318087" cy="6219824"/>
           </a:xfrm>
           <a:prstGeom prst="rect">
             <a:avLst/>
           </a:prstGeom>
-          <a:solidFill>
-            <a:srgbClr val="C8CACA"/>
-          </a:solidFill>
-          <a:ln>
-            <a:noFill/>
-          </a:ln>
         </p:spPr>
-        <p:style>
-          <a:lnRef idx="2">
-            <a:schemeClr val="accent1">
-              <a:shade val="50000"/>
-            </a:schemeClr>
-          </a:lnRef>
-          <a:fillRef idx="1">
-            <a:schemeClr val="accent1"/>
-          </a:fillRef>
-          <a:effectRef idx="0">
-            <a:schemeClr val="accent1"/>
-          </a:effectRef>
-          <a:fontRef idx="minor">
-            <a:schemeClr val="lt1"/>
-          </a:fontRef>
-        </p:style>
-        <p:txBody>
-          <a:bodyPr rtlCol="0" anchor="ctr"/>
-          <a:lstStyle/>
-          <a:p>
-            <a:pPr algn="ctr"/>
-            <a:endParaRPr lang="en-US"/>
-          </a:p>
-        </p:txBody>
-      </p:sp>
-      <p:sp>
-        <p:nvSpPr>
-          <p:cNvPr id="2" name="Title 1">
-            <a:extLst>
-              <a:ext uri="{FF2B5EF4-FFF2-40B4-BE49-F238E27FC236}">
-                <a16:creationId xmlns:a16="http://schemas.microsoft.com/office/drawing/2014/main" id="{8168A9C7-09D3-42D3-A62D-BB7A1FC25CC2}"/>
-              </a:ext>
-            </a:extLst>
-          </p:cNvPr>
-          <p:cNvSpPr>
-            <a:spLocks noGrp="1"/>
-          </p:cNvSpPr>
-          <p:nvPr>
-            <p:ph type="title"/>
+      </p:pic>
+      <p:sp>
+        <p:nvSpPr>
+          <p:cNvPr id="6" name="Slide Number Placeholder 5">
+            <a:extLst>
+              <a:ext uri="{FF2B5EF4-FFF2-40B4-BE49-F238E27FC236}">
+                <a16:creationId xmlns:a16="http://schemas.microsoft.com/office/drawing/2014/main" id="{9E9ACD66-EAC2-4292-8A2C-3CC8314C6893}"/>
+              </a:ext>
+            </a:extLst>
+          </p:cNvPr>
+          <p:cNvSpPr>
+            <a:spLocks noGrp="1"/>
+          </p:cNvSpPr>
+          <p:nvPr>
+            <p:ph type="sldNum" sz="quarter" idx="12"/>
           </p:nvPr>
         </p:nvSpPr>
         <p:spPr>
           <a:xfrm>
-            <a:off x="603938" y="640081"/>
-            <a:ext cx="2608655" cy="5257799"/>
+            <a:off x="8610600" y="6356350"/>
+            <a:ext cx="2743200" cy="365125"/>
           </a:xfrm>
         </p:spPr>
         <p:txBody>
-          <a:bodyPr vert="horz" lIns="91440" tIns="45720" rIns="91440" bIns="45720" rtlCol="0" anchor="ctr">
+          <a:bodyPr>
             <a:normAutofit/>
           </a:bodyPr>
           <a:lstStyle/>
           <a:p>
-            <a:r>
-              <a:rPr lang="en-US" sz="3600" dirty="0">
-                <a:solidFill>
-                  <a:srgbClr val="2C2C2C"/>
-                </a:solidFill>
-              </a:rPr>
-              <a:t>Runners with higher acceleration at the handoff gain more yards</a:t>
-            </a:r>
-          </a:p>
-        </p:txBody>
-      </p:sp>
-      <p:sp>
-        <p:nvSpPr>
-          <p:cNvPr id="12" name="Rounded Rectangle 9">
-            <a:extLst>
-              <a:ext uri="{FF2B5EF4-FFF2-40B4-BE49-F238E27FC236}">
-                <a16:creationId xmlns:a16="http://schemas.microsoft.com/office/drawing/2014/main" id="{67048353-8981-459A-9BC6-9711CE462E06}"/>
-              </a:ext>
-              <a:ext uri="{C183D7F6-B498-43B3-948B-1728B52AA6E4}">
-                <adec:decorative xmlns:adec="http://schemas.microsoft.com/office/drawing/2017/decorative" val="1"/>
-              </a:ext>
-            </a:extLst>
-          </p:cNvPr>
-          <p:cNvSpPr>
-            <a:spLocks noGrp="1" noRot="1" noChangeAspect="1" noMove="1" noResize="1" noEditPoints="1" noAdjustHandles="1" noChangeArrowheads="1" noChangeShapeType="1" noTextEdit="1"/>
-          </p:cNvSpPr>
-          <p:nvPr>
-            <p:extLst>
-              <p:ext uri="{386F3935-93C4-4BCD-93E2-E3B085C9AB24}">
-                <p16:designElem xmlns:p16="http://schemas.microsoft.com/office/powerpoint/2015/main" val="1"/>
-              </p:ext>
-            </p:extLst>
-          </p:nvPr>
-        </p:nvSpPr>
-        <p:spPr>
-          <a:xfrm>
-            <a:off x="3580067" y="484632"/>
-            <a:ext cx="8129016" cy="5724144"/>
-          </a:xfrm>
-          <a:prstGeom prst="roundRect">
-            <a:avLst>
-              <a:gd name="adj" fmla="val 0"/>
-            </a:avLst>
-          </a:prstGeom>
-          <a:solidFill>
-            <a:srgbClr val="FFFFFF"/>
-          </a:solidFill>
-          <a:ln w="9525">
-            <a:solidFill>
-              <a:srgbClr val="C8CACA"/>
-            </a:solidFill>
-          </a:ln>
-          <a:effectLst>
-            <a:outerShdw blurRad="57150" dist="19050" dir="5400000" algn="t" rotWithShape="0">
-              <a:prstClr val="black">
-                <a:alpha val="63000"/>
-              </a:prstClr>
-            </a:outerShdw>
-          </a:effectLst>
-        </p:spPr>
-        <p:style>
-          <a:lnRef idx="2">
-            <a:schemeClr val="accent1">
-              <a:shade val="50000"/>
-            </a:schemeClr>
-          </a:lnRef>
-          <a:fillRef idx="1">
-            <a:schemeClr val="accent1"/>
-          </a:fillRef>
-          <a:effectRef idx="0">
-            <a:schemeClr val="accent1"/>
-          </a:effectRef>
-          <a:fontRef idx="minor">
-            <a:schemeClr val="lt1"/>
-          </a:fontRef>
-        </p:style>
-        <p:txBody>
-          <a:bodyPr rtlCol="0" anchor="ctr"/>
-          <a:lstStyle/>
-          <a:p>
-            <a:pPr algn="ctr"/>
+            <a:pPr>
+              <a:spcAft>
+                <a:spcPts val="600"/>
+              </a:spcAft>
+            </a:pPr>
+            <a:fld id="{30E63449-98BB-4437-922A-D2046F78C84B}" type="slidenum">
+              <a:rPr lang="en-US" smtClean="0"/>
+              <a:pPr>
+                <a:spcAft>
+                  <a:spcPts val="600"/>
+                </a:spcAft>
+              </a:pPr>
+              <a:t>10</a:t>
+            </a:fld>
             <a:endParaRPr lang="en-US"/>
           </a:p>
         </p:txBody>
       </p:sp>
-      <p:pic>
-        <p:nvPicPr>
-          <p:cNvPr id="5" name="Content Placeholder 4" descr="A close up of text on a white background&#10;&#10;Description automatically generated">
-            <a:extLst>
-              <a:ext uri="{FF2B5EF4-FFF2-40B4-BE49-F238E27FC236}">
-                <a16:creationId xmlns:a16="http://schemas.microsoft.com/office/drawing/2014/main" id="{749F464D-6FCE-4FEE-80AA-C508242BB366}"/>
-              </a:ext>
-            </a:extLst>
-          </p:cNvPr>
-          <p:cNvPicPr>
-            <a:picLocks noGrp="1" noChangeAspect="1"/>
-          </p:cNvPicPr>
-          <p:nvPr>
-            <p:ph idx="1"/>
-          </p:nvPr>
-        </p:nvPicPr>
-        <p:blipFill rotWithShape="1">
-          <a:blip r:embed="rId2">
-            <a:extLst>
-              <a:ext uri="{28A0092B-C50C-407E-A947-70E740481C1C}">
-                <a14:useLocalDpi xmlns:a14="http://schemas.microsoft.com/office/drawing/2010/main" val="0"/>
-              </a:ext>
-            </a:extLst>
-          </a:blip>
-          <a:srcRect r="561" b="1"/>
-          <a:stretch/>
-        </p:blipFill>
-        <p:spPr>
-          <a:xfrm>
-            <a:off x="4062964" y="942538"/>
-            <a:ext cx="7163222" cy="4808332"/>
-          </a:xfrm>
-          <a:prstGeom prst="rect">
-            <a:avLst/>
-          </a:prstGeom>
-          <a:effectLst/>
-        </p:spPr>
-      </p:pic>
     </p:spTree>
     <p:extLst>
       <p:ext uri="{BB962C8B-B14F-4D97-AF65-F5344CB8AC3E}">
@@ -3674,12 +3923,41 @@
           <a:chExt cx="0" cy="0"/>
         </a:xfrm>
       </p:grpSpPr>
+      <p:sp>
+        <p:nvSpPr>
+          <p:cNvPr id="4" name="Slide Number Placeholder 3">
+            <a:extLst>
+              <a:ext uri="{FF2B5EF4-FFF2-40B4-BE49-F238E27FC236}">
+                <a16:creationId xmlns:a16="http://schemas.microsoft.com/office/drawing/2014/main" id="{C4A90A93-36BF-4836-B1D1-D23D3D4FE6BD}"/>
+              </a:ext>
+            </a:extLst>
+          </p:cNvPr>
+          <p:cNvSpPr>
+            <a:spLocks noGrp="1"/>
+          </p:cNvSpPr>
+          <p:nvPr>
+            <p:ph type="sldNum" sz="quarter" idx="12"/>
+          </p:nvPr>
+        </p:nvSpPr>
+        <p:spPr/>
+        <p:txBody>
+          <a:bodyPr/>
+          <a:lstStyle/>
+          <a:p>
+            <a:fld id="{30E63449-98BB-4437-922A-D2046F78C84B}" type="slidenum">
+              <a:rPr lang="en-US" smtClean="0"/>
+              <a:t>11</a:t>
+            </a:fld>
+            <a:endParaRPr lang="en-US"/>
+          </a:p>
+        </p:txBody>
+      </p:sp>
       <p:pic>
         <p:nvPicPr>
-          <p:cNvPr id="3" name="Picture 2" descr="A screenshot of a cell phone&#10;&#10;Description automatically generated">
-            <a:extLst>
-              <a:ext uri="{FF2B5EF4-FFF2-40B4-BE49-F238E27FC236}">
-                <a16:creationId xmlns:a16="http://schemas.microsoft.com/office/drawing/2014/main" id="{CE48B715-6980-4ED0-8CB9-E854131747B0}"/>
+          <p:cNvPr id="6" name="Picture 5" descr="A screenshot of a social media post&#10;&#10;Description automatically generated">
+            <a:extLst>
+              <a:ext uri="{FF2B5EF4-FFF2-40B4-BE49-F238E27FC236}">
+                <a16:creationId xmlns:a16="http://schemas.microsoft.com/office/drawing/2014/main" id="{AAACFEE2-AEDE-46AB-B89E-8D0427B45218}"/>
               </a:ext>
             </a:extLst>
           </p:cNvPr>
@@ -3742,35 +4020,39 @@
       </p:grpSpPr>
       <p:sp>
         <p:nvSpPr>
-          <p:cNvPr id="2" name="Title 1">
-            <a:extLst>
-              <a:ext uri="{FF2B5EF4-FFF2-40B4-BE49-F238E27FC236}">
-                <a16:creationId xmlns:a16="http://schemas.microsoft.com/office/drawing/2014/main" id="{FA25F04D-9652-4F78-8B3A-7DC3536FE636}"/>
-              </a:ext>
-            </a:extLst>
-          </p:cNvPr>
-          <p:cNvSpPr>
-            <a:spLocks noGrp="1"/>
-          </p:cNvSpPr>
-          <p:nvPr>
-            <p:ph type="title"/>
-          </p:nvPr>
-        </p:nvSpPr>
-        <p:spPr/>
-        <p:txBody>
-          <a:bodyPr/>
-          <a:lstStyle/>
-          <a:p>
+          <p:cNvPr id="15" name="Slide Number Placeholder 14">
+            <a:extLst>
+              <a:ext uri="{FF2B5EF4-FFF2-40B4-BE49-F238E27FC236}">
+                <a16:creationId xmlns:a16="http://schemas.microsoft.com/office/drawing/2014/main" id="{4A8B0AB3-2A02-46B2-B1BF-7792373ED7B5}"/>
+              </a:ext>
+            </a:extLst>
+          </p:cNvPr>
+          <p:cNvSpPr>
+            <a:spLocks noGrp="1"/>
+          </p:cNvSpPr>
+          <p:nvPr>
+            <p:ph type="sldNum" sz="quarter" idx="12"/>
+          </p:nvPr>
+        </p:nvSpPr>
+        <p:spPr/>
+        <p:txBody>
+          <a:bodyPr/>
+          <a:lstStyle/>
+          <a:p>
+            <a:fld id="{30E63449-98BB-4437-922A-D2046F78C84B}" type="slidenum">
+              <a:rPr lang="en-US" smtClean="0"/>
+              <a:t>12</a:t>
+            </a:fld>
             <a:endParaRPr lang="en-US"/>
           </a:p>
         </p:txBody>
       </p:sp>
       <p:pic>
         <p:nvPicPr>
-          <p:cNvPr id="6" name="Picture Placeholder 5" descr="A screenshot of a cell phone&#10;&#10;Description automatically generated">
-            <a:extLst>
-              <a:ext uri="{FF2B5EF4-FFF2-40B4-BE49-F238E27FC236}">
-                <a16:creationId xmlns:a16="http://schemas.microsoft.com/office/drawing/2014/main" id="{05A26514-6C7A-4F20-9359-212E2F74DF46}"/>
+          <p:cNvPr id="21" name="Picture Placeholder 20">
+            <a:extLst>
+              <a:ext uri="{FF2B5EF4-FFF2-40B4-BE49-F238E27FC236}">
+                <a16:creationId xmlns:a16="http://schemas.microsoft.com/office/drawing/2014/main" id="{25914308-1260-4E42-9C5D-5E952332716F}"/>
               </a:ext>
             </a:extLst>
           </p:cNvPr>
@@ -3781,7 +4063,7 @@
             <p:ph type="pic" idx="1"/>
           </p:nvPr>
         </p:nvPicPr>
-        <p:blipFill rotWithShape="1">
+        <p:blipFill>
           <a:blip r:embed="rId2">
             <a:extLst>
               <a:ext uri="{28A0092B-C50C-407E-A947-70E740481C1C}">
@@ -3789,80 +4071,22 @@
               </a:ext>
             </a:extLst>
           </a:blip>
-          <a:srcRect l="3594" r="7785"/>
-          <a:stretch/>
+          <a:srcRect l="7785" r="7785"/>
+          <a:stretch>
+            <a:fillRect/>
+          </a:stretch>
         </p:blipFill>
         <p:spPr>
           <a:xfrm>
-            <a:off x="4876800" y="987425"/>
-            <a:ext cx="6478588" cy="4873625"/>
+            <a:off x="1927122" y="136525"/>
+            <a:ext cx="8339507" cy="6584950"/>
           </a:xfrm>
         </p:spPr>
       </p:pic>
-      <p:sp>
-        <p:nvSpPr>
-          <p:cNvPr id="4" name="Text Placeholder 3">
-            <a:extLst>
-              <a:ext uri="{FF2B5EF4-FFF2-40B4-BE49-F238E27FC236}">
-                <a16:creationId xmlns:a16="http://schemas.microsoft.com/office/drawing/2014/main" id="{FE29F36B-AB66-4306-9B02-C0DDC298366E}"/>
-              </a:ext>
-            </a:extLst>
-          </p:cNvPr>
-          <p:cNvSpPr>
-            <a:spLocks noGrp="1"/>
-          </p:cNvSpPr>
-          <p:nvPr>
-            <p:ph type="body" sz="half" idx="2"/>
-          </p:nvPr>
-        </p:nvSpPr>
-        <p:spPr/>
-        <p:txBody>
-          <a:bodyPr/>
-          <a:lstStyle/>
-          <a:p>
-            <a:pPr marL="285750" indent="-285750">
-              <a:buFont typeface="Arial" panose="020B0604020202020204" pitchFamily="34" charset="0"/>
-              <a:buChar char="•"/>
-            </a:pPr>
-            <a:endParaRPr lang="en-US" dirty="0"/>
-          </a:p>
-          <a:p>
-            <a:pPr marL="285750" indent="-285750">
-              <a:buFont typeface="Arial" panose="020B0604020202020204" pitchFamily="34" charset="0"/>
-              <a:buChar char="•"/>
-            </a:pPr>
-            <a:endParaRPr lang="en-US" dirty="0"/>
-          </a:p>
-          <a:p>
-            <a:pPr marL="285750" indent="-285750">
-              <a:buFont typeface="Arial" panose="020B0604020202020204" pitchFamily="34" charset="0"/>
-              <a:buChar char="•"/>
-            </a:pPr>
-            <a:endParaRPr lang="en-US" dirty="0"/>
-          </a:p>
-          <a:p>
-            <a:pPr marL="285750" indent="-285750">
-              <a:buFont typeface="Arial" panose="020B0604020202020204" pitchFamily="34" charset="0"/>
-              <a:buChar char="•"/>
-            </a:pPr>
-            <a:endParaRPr lang="en-US" dirty="0"/>
-          </a:p>
-          <a:p>
-            <a:pPr marL="285750" indent="-285750">
-              <a:buFont typeface="Arial" panose="020B0604020202020204" pitchFamily="34" charset="0"/>
-              <a:buChar char="•"/>
-            </a:pPr>
-            <a:r>
-              <a:rPr lang="en-US" dirty="0"/>
-              <a:t>There seems to be a weak positive correlation between the distance travelled before receiving the handoff and yards gained.</a:t>
-            </a:r>
-          </a:p>
-        </p:txBody>
-      </p:sp>
     </p:spTree>
     <p:extLst>
       <p:ext uri="{BB962C8B-B14F-4D97-AF65-F5344CB8AC3E}">
-        <p14:creationId xmlns:p14="http://schemas.microsoft.com/office/powerpoint/2010/main" val="4215427979"/>
+        <p14:creationId xmlns:p14="http://schemas.microsoft.com/office/powerpoint/2010/main" val="411947551"/>
       </p:ext>
     </p:extLst>
   </p:cSld>
@@ -3894,7 +4118,7 @@
           <p:cNvPr id="2" name="Title 1">
             <a:extLst>
               <a:ext uri="{FF2B5EF4-FFF2-40B4-BE49-F238E27FC236}">
-                <a16:creationId xmlns:a16="http://schemas.microsoft.com/office/drawing/2014/main" id="{7F176E4A-FEE8-4D87-826F-8B51EDD71600}"/>
+                <a16:creationId xmlns:a16="http://schemas.microsoft.com/office/drawing/2014/main" id="{B2779688-27C6-431A-925C-C84981124FC1}"/>
               </a:ext>
             </a:extLst>
           </p:cNvPr>
@@ -3910,134 +4134,88 @@
           <a:bodyPr/>
           <a:lstStyle/>
           <a:p>
+            <a:endParaRPr lang="en-US" dirty="0"/>
+          </a:p>
+        </p:txBody>
+      </p:sp>
+      <p:sp>
+        <p:nvSpPr>
+          <p:cNvPr id="3" name="Content Placeholder 2">
+            <a:extLst>
+              <a:ext uri="{FF2B5EF4-FFF2-40B4-BE49-F238E27FC236}">
+                <a16:creationId xmlns:a16="http://schemas.microsoft.com/office/drawing/2014/main" id="{6D6F9380-29AD-44A0-88F1-F153F777EA63}"/>
+              </a:ext>
+            </a:extLst>
+          </p:cNvPr>
+          <p:cNvSpPr>
+            <a:spLocks noGrp="1"/>
+          </p:cNvSpPr>
+          <p:nvPr>
+            <p:ph idx="1"/>
+          </p:nvPr>
+        </p:nvSpPr>
+        <p:spPr>
+          <a:xfrm>
+            <a:off x="838200" y="1253331"/>
+            <a:ext cx="10515600" cy="4351338"/>
+          </a:xfrm>
+        </p:spPr>
+        <p:txBody>
+          <a:bodyPr/>
+          <a:lstStyle/>
+          <a:p>
+            <a:endParaRPr lang="en-US" dirty="0"/>
+          </a:p>
+          <a:p>
+            <a:endParaRPr lang="en-US" dirty="0"/>
+          </a:p>
+          <a:p>
+            <a:endParaRPr lang="en-US" dirty="0"/>
+          </a:p>
+          <a:p>
+            <a:pPr marL="0" indent="0">
+              <a:buNone/>
+            </a:pPr>
+            <a:r>
+              <a:rPr lang="en-US" sz="4400" dirty="0"/>
+              <a:t>What sort of features can we engineer that will be useful when predicting yards?</a:t>
+            </a:r>
+          </a:p>
+        </p:txBody>
+      </p:sp>
+      <p:sp>
+        <p:nvSpPr>
+          <p:cNvPr id="4" name="Slide Number Placeholder 3">
+            <a:extLst>
+              <a:ext uri="{FF2B5EF4-FFF2-40B4-BE49-F238E27FC236}">
+                <a16:creationId xmlns:a16="http://schemas.microsoft.com/office/drawing/2014/main" id="{FCB74D6B-ABD3-46EC-9A63-9033D1D54C1B}"/>
+              </a:ext>
+            </a:extLst>
+          </p:cNvPr>
+          <p:cNvSpPr>
+            <a:spLocks noGrp="1"/>
+          </p:cNvSpPr>
+          <p:nvPr>
+            <p:ph type="sldNum" sz="quarter" idx="12"/>
+          </p:nvPr>
+        </p:nvSpPr>
+        <p:spPr/>
+        <p:txBody>
+          <a:bodyPr/>
+          <a:lstStyle/>
+          <a:p>
+            <a:fld id="{30E63449-98BB-4437-922A-D2046F78C84B}" type="slidenum">
+              <a:rPr lang="en-US" smtClean="0"/>
+              <a:t>13</a:t>
+            </a:fld>
             <a:endParaRPr lang="en-US"/>
           </a:p>
         </p:txBody>
       </p:sp>
-      <p:sp>
-        <p:nvSpPr>
-          <p:cNvPr id="4" name="Text Placeholder 3">
-            <a:extLst>
-              <a:ext uri="{FF2B5EF4-FFF2-40B4-BE49-F238E27FC236}">
-                <a16:creationId xmlns:a16="http://schemas.microsoft.com/office/drawing/2014/main" id="{C176E770-0D8A-491D-B541-9F73EFB51EED}"/>
-              </a:ext>
-            </a:extLst>
-          </p:cNvPr>
-          <p:cNvSpPr>
-            <a:spLocks noGrp="1"/>
-          </p:cNvSpPr>
-          <p:nvPr>
-            <p:ph type="body" sz="half" idx="2"/>
-          </p:nvPr>
-        </p:nvSpPr>
-        <p:spPr/>
-        <p:txBody>
-          <a:bodyPr/>
-          <a:lstStyle/>
-          <a:p>
-            <a:pPr marL="285750" indent="-285750">
-              <a:buFont typeface="Arial" panose="020B0604020202020204" pitchFamily="34" charset="0"/>
-              <a:buChar char="•"/>
-            </a:pPr>
-            <a:r>
-              <a:rPr lang="en-US" dirty="0"/>
-              <a:t>Angles:</a:t>
-            </a:r>
-          </a:p>
-          <a:p>
-            <a:pPr marL="742950" lvl="1" indent="-285750">
-              <a:buFont typeface="Arial" panose="020B0604020202020204" pitchFamily="34" charset="0"/>
-              <a:buChar char="•"/>
-            </a:pPr>
-            <a:r>
-              <a:rPr lang="en-US" dirty="0"/>
-              <a:t>90 = ‘straight up the gut’</a:t>
-            </a:r>
-          </a:p>
-          <a:p>
-            <a:pPr marL="742950" lvl="1" indent="-285750">
-              <a:buFont typeface="Arial" panose="020B0604020202020204" pitchFamily="34" charset="0"/>
-              <a:buChar char="•"/>
-            </a:pPr>
-            <a:r>
-              <a:rPr lang="en-US" dirty="0"/>
-              <a:t>0 = ‘completely horizontal, left’</a:t>
-            </a:r>
-          </a:p>
-          <a:p>
-            <a:pPr marL="742950" lvl="1" indent="-285750">
-              <a:buFont typeface="Arial" panose="020B0604020202020204" pitchFamily="34" charset="0"/>
-              <a:buChar char="•"/>
-            </a:pPr>
-            <a:r>
-              <a:rPr lang="en-US" dirty="0"/>
-              <a:t>180 = ‘completely horizontal, right’</a:t>
-            </a:r>
-          </a:p>
-          <a:p>
-            <a:pPr marL="742950" lvl="1" indent="-285750">
-              <a:buFont typeface="Arial" panose="020B0604020202020204" pitchFamily="34" charset="0"/>
-              <a:buChar char="•"/>
-            </a:pPr>
-            <a:r>
-              <a:rPr lang="en-US" dirty="0"/>
-              <a:t>180+ = ‘backwards’</a:t>
-            </a:r>
-          </a:p>
-          <a:p>
-            <a:pPr marL="285750" indent="-285750">
-              <a:buFont typeface="Arial" panose="020B0604020202020204" pitchFamily="34" charset="0"/>
-              <a:buChar char="•"/>
-            </a:pPr>
-            <a:endParaRPr lang="en-US" dirty="0"/>
-          </a:p>
-          <a:p>
-            <a:pPr marL="285750" indent="-285750">
-              <a:buFont typeface="Arial" panose="020B0604020202020204" pitchFamily="34" charset="0"/>
-              <a:buChar char="•"/>
-            </a:pPr>
-            <a:r>
-              <a:rPr lang="en-US" dirty="0"/>
-              <a:t>Successful runs can come from any angle (0-180), but runs to the left and right have a greater risk of negative yards.</a:t>
-            </a:r>
-          </a:p>
-        </p:txBody>
-      </p:sp>
-      <p:pic>
-        <p:nvPicPr>
-          <p:cNvPr id="14" name="Picture Placeholder 13" descr="A screenshot of a cell phone&#10;&#10;Description automatically generated">
-            <a:extLst>
-              <a:ext uri="{FF2B5EF4-FFF2-40B4-BE49-F238E27FC236}">
-                <a16:creationId xmlns:a16="http://schemas.microsoft.com/office/drawing/2014/main" id="{AE5182DA-65FA-4262-9C69-3A8360E2B04A}"/>
-              </a:ext>
-            </a:extLst>
-          </p:cNvPr>
-          <p:cNvPicPr>
-            <a:picLocks noGrp="1" noChangeAspect="1"/>
-          </p:cNvPicPr>
-          <p:nvPr>
-            <p:ph type="pic" idx="1"/>
-          </p:nvPr>
-        </p:nvPicPr>
-        <p:blipFill>
-          <a:blip r:embed="rId2">
-            <a:extLst>
-              <a:ext uri="{28A0092B-C50C-407E-A947-70E740481C1C}">
-                <a14:useLocalDpi xmlns:a14="http://schemas.microsoft.com/office/drawing/2010/main" val="0"/>
-              </a:ext>
-            </a:extLst>
-          </a:blip>
-          <a:srcRect l="7785" r="7785"/>
-          <a:stretch>
-            <a:fillRect/>
-          </a:stretch>
-        </p:blipFill>
-        <p:spPr/>
-      </p:pic>
     </p:spTree>
     <p:extLst>
       <p:ext uri="{BB962C8B-B14F-4D97-AF65-F5344CB8AC3E}">
-        <p14:creationId xmlns:p14="http://schemas.microsoft.com/office/powerpoint/2010/main" val="411947551"/>
+        <p14:creationId xmlns:p14="http://schemas.microsoft.com/office/powerpoint/2010/main" val="1335981739"/>
       </p:ext>
     </p:extLst>
   </p:cSld>
@@ -4066,10 +4244,10 @@
       </p:grpSpPr>
       <p:sp>
         <p:nvSpPr>
-          <p:cNvPr id="2" name="Title 1">
-            <a:extLst>
-              <a:ext uri="{FF2B5EF4-FFF2-40B4-BE49-F238E27FC236}">
-                <a16:creationId xmlns:a16="http://schemas.microsoft.com/office/drawing/2014/main" id="{B2779688-27C6-431A-925C-C84981124FC1}"/>
+          <p:cNvPr id="6" name="Title 5">
+            <a:extLst>
+              <a:ext uri="{FF2B5EF4-FFF2-40B4-BE49-F238E27FC236}">
+                <a16:creationId xmlns:a16="http://schemas.microsoft.com/office/drawing/2014/main" id="{E7334792-67A6-41AE-AFA2-1D2C21F3796C}"/>
               </a:ext>
             </a:extLst>
           </p:cNvPr>
@@ -4085,59 +4263,121 @@
           <a:bodyPr/>
           <a:lstStyle/>
           <a:p>
-            <a:endParaRPr lang="en-US" dirty="0"/>
-          </a:p>
-        </p:txBody>
-      </p:sp>
-      <p:sp>
-        <p:nvSpPr>
-          <p:cNvPr id="3" name="Content Placeholder 2">
-            <a:extLst>
-              <a:ext uri="{FF2B5EF4-FFF2-40B4-BE49-F238E27FC236}">
-                <a16:creationId xmlns:a16="http://schemas.microsoft.com/office/drawing/2014/main" id="{6D6F9380-29AD-44A0-88F1-F153F777EA63}"/>
-              </a:ext>
-            </a:extLst>
-          </p:cNvPr>
-          <p:cNvSpPr>
-            <a:spLocks noGrp="1"/>
-          </p:cNvSpPr>
-          <p:nvPr>
-            <p:ph idx="1"/>
-          </p:nvPr>
-        </p:nvSpPr>
+            <a:endParaRPr lang="en-US"/>
+          </a:p>
+        </p:txBody>
+      </p:sp>
+      <p:pic>
+        <p:nvPicPr>
+          <p:cNvPr id="5" name="Content Placeholder 4" descr="A screenshot of a cell phone&#10;&#10;Description automatically generated">
+            <a:extLst>
+              <a:ext uri="{FF2B5EF4-FFF2-40B4-BE49-F238E27FC236}">
+                <a16:creationId xmlns:a16="http://schemas.microsoft.com/office/drawing/2014/main" id="{2DD11799-4B24-4CBB-AF02-25A99A787C54}"/>
+              </a:ext>
+            </a:extLst>
+          </p:cNvPr>
+          <p:cNvPicPr>
+            <a:picLocks noGrp="1" noChangeAspect="1"/>
+          </p:cNvPicPr>
+          <p:nvPr>
+            <p:ph type="pic" idx="1"/>
+          </p:nvPr>
+        </p:nvPicPr>
+        <p:blipFill rotWithShape="1">
+          <a:blip r:embed="rId2">
+            <a:extLst>
+              <a:ext uri="{28A0092B-C50C-407E-A947-70E740481C1C}">
+                <a14:useLocalDpi xmlns:a14="http://schemas.microsoft.com/office/drawing/2010/main" val="0"/>
+              </a:ext>
+            </a:extLst>
+          </a:blip>
+          <a:srcRect l="3433" r="7785"/>
+          <a:stretch/>
+        </p:blipFill>
         <p:spPr>
           <a:xfrm>
-            <a:off x="838200" y="1253331"/>
-            <a:ext cx="10515600" cy="4351338"/>
+            <a:off x="4865077" y="987425"/>
+            <a:ext cx="6490311" cy="4873625"/>
           </a:xfrm>
         </p:spPr>
-        <p:txBody>
-          <a:bodyPr/>
-          <a:lstStyle/>
-          <a:p>
-            <a:endParaRPr lang="en-US" dirty="0"/>
-          </a:p>
-          <a:p>
-            <a:endParaRPr lang="en-US" dirty="0"/>
-          </a:p>
-          <a:p>
-            <a:endParaRPr lang="en-US" dirty="0"/>
-          </a:p>
-          <a:p>
-            <a:pPr marL="0" indent="0">
-              <a:buNone/>
+      </p:pic>
+      <p:sp>
+        <p:nvSpPr>
+          <p:cNvPr id="7" name="Text Placeholder 6">
+            <a:extLst>
+              <a:ext uri="{FF2B5EF4-FFF2-40B4-BE49-F238E27FC236}">
+                <a16:creationId xmlns:a16="http://schemas.microsoft.com/office/drawing/2014/main" id="{0B1D6383-5627-4F1C-B49D-B3D438BE89FB}"/>
+              </a:ext>
+            </a:extLst>
+          </p:cNvPr>
+          <p:cNvSpPr>
+            <a:spLocks noGrp="1"/>
+          </p:cNvSpPr>
+          <p:nvPr>
+            <p:ph type="body" sz="half" idx="2"/>
+          </p:nvPr>
+        </p:nvSpPr>
+        <p:spPr/>
+        <p:txBody>
+          <a:bodyPr>
+            <a:normAutofit/>
+          </a:bodyPr>
+          <a:lstStyle/>
+          <a:p>
+            <a:pPr marL="285750" indent="-285750">
+              <a:buFont typeface="Arial" panose="020B0604020202020204" pitchFamily="34" charset="0"/>
+              <a:buChar char="•"/>
             </a:pPr>
             <a:r>
-              <a:rPr lang="en-US" sz="4400" dirty="0"/>
-              <a:t>What sort of features can we engineer that will be useful when predicting yards?</a:t>
-            </a:r>
+              <a:rPr lang="en-US" sz="2400" dirty="0"/>
+              <a:t>Using (X,Y) coordinates, the runner’s distance to the nearest defender is calculated.</a:t>
+            </a:r>
+          </a:p>
+          <a:p>
+            <a:pPr marL="285750" indent="-285750">
+              <a:buFont typeface="Arial" panose="020B0604020202020204" pitchFamily="34" charset="0"/>
+              <a:buChar char="•"/>
+            </a:pPr>
+            <a:r>
+              <a:rPr lang="en-US" sz="2400" dirty="0"/>
+              <a:t>It seems that the most yards are gained when the runner is 4-6 yards away from the nearest defender at handoff.</a:t>
+            </a:r>
+          </a:p>
+        </p:txBody>
+      </p:sp>
+      <p:sp>
+        <p:nvSpPr>
+          <p:cNvPr id="8" name="Slide Number Placeholder 7">
+            <a:extLst>
+              <a:ext uri="{FF2B5EF4-FFF2-40B4-BE49-F238E27FC236}">
+                <a16:creationId xmlns:a16="http://schemas.microsoft.com/office/drawing/2014/main" id="{8481D747-E607-4B50-BB7B-50E65642C4F1}"/>
+              </a:ext>
+            </a:extLst>
+          </p:cNvPr>
+          <p:cNvSpPr>
+            <a:spLocks noGrp="1"/>
+          </p:cNvSpPr>
+          <p:nvPr>
+            <p:ph type="sldNum" sz="quarter" idx="12"/>
+          </p:nvPr>
+        </p:nvSpPr>
+        <p:spPr/>
+        <p:txBody>
+          <a:bodyPr/>
+          <a:lstStyle/>
+          <a:p>
+            <a:fld id="{30E63449-98BB-4437-922A-D2046F78C84B}" type="slidenum">
+              <a:rPr lang="en-US" smtClean="0"/>
+              <a:t>14</a:t>
+            </a:fld>
+            <a:endParaRPr lang="en-US"/>
           </a:p>
         </p:txBody>
       </p:sp>
     </p:spTree>
     <p:extLst>
       <p:ext uri="{BB962C8B-B14F-4D97-AF65-F5344CB8AC3E}">
-        <p14:creationId xmlns:p14="http://schemas.microsoft.com/office/powerpoint/2010/main" val="1335981739"/>
+        <p14:creationId xmlns:p14="http://schemas.microsoft.com/office/powerpoint/2010/main" val="421741552"/>
       </p:ext>
     </p:extLst>
   </p:cSld>
@@ -4166,10 +4406,10 @@
       </p:grpSpPr>
       <p:sp>
         <p:nvSpPr>
-          <p:cNvPr id="6" name="Title 5">
-            <a:extLst>
-              <a:ext uri="{FF2B5EF4-FFF2-40B4-BE49-F238E27FC236}">
-                <a16:creationId xmlns:a16="http://schemas.microsoft.com/office/drawing/2014/main" id="{E7334792-67A6-41AE-AFA2-1D2C21F3796C}"/>
+          <p:cNvPr id="2" name="Title 1">
+            <a:extLst>
+              <a:ext uri="{FF2B5EF4-FFF2-40B4-BE49-F238E27FC236}">
+                <a16:creationId xmlns:a16="http://schemas.microsoft.com/office/drawing/2014/main" id="{8BE40B6F-6755-4C82-ABA4-59C515ED7253}"/>
               </a:ext>
             </a:extLst>
           </p:cNvPr>
@@ -4185,16 +4425,104 @@
           <a:bodyPr/>
           <a:lstStyle/>
           <a:p>
+            <a:r>
+              <a:rPr lang="en-US" dirty="0"/>
+              <a:t>Do runners gain more yards when more are needed?</a:t>
+            </a:r>
+          </a:p>
+        </p:txBody>
+      </p:sp>
+      <p:sp>
+        <p:nvSpPr>
+          <p:cNvPr id="4" name="Text Placeholder 3">
+            <a:extLst>
+              <a:ext uri="{FF2B5EF4-FFF2-40B4-BE49-F238E27FC236}">
+                <a16:creationId xmlns:a16="http://schemas.microsoft.com/office/drawing/2014/main" id="{4314655F-3F0C-4565-86F4-84148A72860B}"/>
+              </a:ext>
+            </a:extLst>
+          </p:cNvPr>
+          <p:cNvSpPr>
+            <a:spLocks noGrp="1"/>
+          </p:cNvSpPr>
+          <p:nvPr>
+            <p:ph type="body" sz="half" idx="2"/>
+          </p:nvPr>
+        </p:nvSpPr>
+        <p:spPr/>
+        <p:txBody>
+          <a:bodyPr/>
+          <a:lstStyle/>
+          <a:p>
+            <a:pPr marL="285750" indent="-285750">
+              <a:buFont typeface="Arial" panose="020B0604020202020204" pitchFamily="34" charset="0"/>
+              <a:buChar char="•"/>
+            </a:pPr>
+            <a:endParaRPr lang="en-US" dirty="0"/>
+          </a:p>
+          <a:p>
+            <a:pPr marL="285750" indent="-285750">
+              <a:buFont typeface="Arial" panose="020B0604020202020204" pitchFamily="34" charset="0"/>
+              <a:buChar char="•"/>
+            </a:pPr>
+            <a:endParaRPr lang="en-US" dirty="0"/>
+          </a:p>
+          <a:p>
+            <a:pPr marL="285750" indent="-285750">
+              <a:buFont typeface="Arial" panose="020B0604020202020204" pitchFamily="34" charset="0"/>
+              <a:buChar char="•"/>
+            </a:pPr>
+            <a:r>
+              <a:rPr lang="en-US" dirty="0"/>
+              <a:t>Teams run the ball less when there are many yards needed for a first down.</a:t>
+            </a:r>
+          </a:p>
+          <a:p>
+            <a:pPr marL="285750" indent="-285750">
+              <a:buFont typeface="Arial" panose="020B0604020202020204" pitchFamily="34" charset="0"/>
+              <a:buChar char="•"/>
+            </a:pPr>
+            <a:r>
+              <a:rPr lang="en-US" dirty="0"/>
+              <a:t>Because of this, however, defenses are less prepared for the run, so runs tend to get more yards in long distance situations.</a:t>
+            </a:r>
+          </a:p>
+        </p:txBody>
+      </p:sp>
+      <p:sp>
+        <p:nvSpPr>
+          <p:cNvPr id="7" name="Slide Number Placeholder 6">
+            <a:extLst>
+              <a:ext uri="{FF2B5EF4-FFF2-40B4-BE49-F238E27FC236}">
+                <a16:creationId xmlns:a16="http://schemas.microsoft.com/office/drawing/2014/main" id="{681BA5F0-ED78-48B5-9308-AEAF287CBD43}"/>
+              </a:ext>
+            </a:extLst>
+          </p:cNvPr>
+          <p:cNvSpPr>
+            <a:spLocks noGrp="1"/>
+          </p:cNvSpPr>
+          <p:nvPr>
+            <p:ph type="sldNum" sz="quarter" idx="12"/>
+          </p:nvPr>
+        </p:nvSpPr>
+        <p:spPr/>
+        <p:txBody>
+          <a:bodyPr/>
+          <a:lstStyle/>
+          <a:p>
+            <a:fld id="{30E63449-98BB-4437-922A-D2046F78C84B}" type="slidenum">
+              <a:rPr lang="en-US" smtClean="0"/>
+              <a:t>15</a:t>
+            </a:fld>
             <a:endParaRPr lang="en-US"/>
           </a:p>
         </p:txBody>
       </p:sp>
       <p:pic>
         <p:nvPicPr>
-          <p:cNvPr id="5" name="Content Placeholder 4" descr="A screenshot of a cell phone&#10;&#10;Description automatically generated">
-            <a:extLst>
-              <a:ext uri="{FF2B5EF4-FFF2-40B4-BE49-F238E27FC236}">
-                <a16:creationId xmlns:a16="http://schemas.microsoft.com/office/drawing/2014/main" id="{2DD11799-4B24-4CBB-AF02-25A99A787C54}"/>
+          <p:cNvPr id="15" name="Picture Placeholder 14" descr="A screenshot of a cell phone&#10;&#10;Description automatically generated">
+            <a:extLst>
+              <a:ext uri="{FF2B5EF4-FFF2-40B4-BE49-F238E27FC236}">
+                <a16:creationId xmlns:a16="http://schemas.microsoft.com/office/drawing/2014/main" id="{184063FF-78AE-4ABA-9E4F-7471C7F4BFA5}"/>
               </a:ext>
             </a:extLst>
           </p:cNvPr>
@@ -4213,64 +4541,20 @@
               </a:ext>
             </a:extLst>
           </a:blip>
-          <a:srcRect l="3433" r="7785"/>
+          <a:srcRect l="3914" r="7785"/>
           <a:stretch/>
         </p:blipFill>
         <p:spPr>
           <a:xfrm>
-            <a:off x="4865077" y="987425"/>
-            <a:ext cx="6490311" cy="4873625"/>
+            <a:off x="4900246" y="987425"/>
+            <a:ext cx="6455142" cy="4873625"/>
           </a:xfrm>
         </p:spPr>
       </p:pic>
-      <p:sp>
-        <p:nvSpPr>
-          <p:cNvPr id="7" name="Text Placeholder 6">
-            <a:extLst>
-              <a:ext uri="{FF2B5EF4-FFF2-40B4-BE49-F238E27FC236}">
-                <a16:creationId xmlns:a16="http://schemas.microsoft.com/office/drawing/2014/main" id="{0B1D6383-5627-4F1C-B49D-B3D438BE89FB}"/>
-              </a:ext>
-            </a:extLst>
-          </p:cNvPr>
-          <p:cNvSpPr>
-            <a:spLocks noGrp="1"/>
-          </p:cNvSpPr>
-          <p:nvPr>
-            <p:ph type="body" sz="half" idx="2"/>
-          </p:nvPr>
-        </p:nvSpPr>
-        <p:spPr/>
-        <p:txBody>
-          <a:bodyPr>
-            <a:normAutofit/>
-          </a:bodyPr>
-          <a:lstStyle/>
-          <a:p>
-            <a:pPr marL="285750" indent="-285750">
-              <a:buFont typeface="Arial" panose="020B0604020202020204" pitchFamily="34" charset="0"/>
-              <a:buChar char="•"/>
-            </a:pPr>
-            <a:r>
-              <a:rPr lang="en-US" sz="2400" dirty="0"/>
-              <a:t>Using (X,Y) coordinates, the runner’s distance to the nearest defender is calculated.</a:t>
-            </a:r>
-          </a:p>
-          <a:p>
-            <a:pPr marL="285750" indent="-285750">
-              <a:buFont typeface="Arial" panose="020B0604020202020204" pitchFamily="34" charset="0"/>
-              <a:buChar char="•"/>
-            </a:pPr>
-            <a:r>
-              <a:rPr lang="en-US" sz="2400" dirty="0"/>
-              <a:t>It seems that the most yards are gained when the runner is 4-6 yards away from the nearest defender at handoff.</a:t>
-            </a:r>
-          </a:p>
-        </p:txBody>
-      </p:sp>
     </p:spTree>
     <p:extLst>
       <p:ext uri="{BB962C8B-B14F-4D97-AF65-F5344CB8AC3E}">
-        <p14:creationId xmlns:p14="http://schemas.microsoft.com/office/powerpoint/2010/main" val="421741552"/>
+        <p14:creationId xmlns:p14="http://schemas.microsoft.com/office/powerpoint/2010/main" val="2039925997"/>
       </p:ext>
     </p:extLst>
   </p:cSld>
@@ -4302,7 +4586,7 @@
           <p:cNvPr id="2" name="Title 1">
             <a:extLst>
               <a:ext uri="{FF2B5EF4-FFF2-40B4-BE49-F238E27FC236}">
-                <a16:creationId xmlns:a16="http://schemas.microsoft.com/office/drawing/2014/main" id="{8BE40B6F-6755-4C82-ABA4-59C515ED7253}"/>
+                <a16:creationId xmlns:a16="http://schemas.microsoft.com/office/drawing/2014/main" id="{1036596D-89A4-48E7-8DB6-50F8453F0438}"/>
               </a:ext>
             </a:extLst>
           </p:cNvPr>
@@ -4318,19 +4602,16 @@
           <a:bodyPr/>
           <a:lstStyle/>
           <a:p>
-            <a:r>
-              <a:rPr lang="en-US" dirty="0"/>
-              <a:t>Do runners gain more yards when more are needed?</a:t>
-            </a:r>
+            <a:endParaRPr lang="en-US"/>
           </a:p>
         </p:txBody>
       </p:sp>
       <p:pic>
         <p:nvPicPr>
-          <p:cNvPr id="6" name="Picture Placeholder 5" descr="A screenshot of a cell phone&#10;&#10;Description automatically generated">
-            <a:extLst>
-              <a:ext uri="{FF2B5EF4-FFF2-40B4-BE49-F238E27FC236}">
-                <a16:creationId xmlns:a16="http://schemas.microsoft.com/office/drawing/2014/main" id="{7038D02B-CCB7-45AD-B122-2DE8182AE383}"/>
+          <p:cNvPr id="6" name="Picture Placeholder 5" descr="A close up of text on a white background&#10;&#10;Description automatically generated">
+            <a:extLst>
+              <a:ext uri="{FF2B5EF4-FFF2-40B4-BE49-F238E27FC236}">
+                <a16:creationId xmlns:a16="http://schemas.microsoft.com/office/drawing/2014/main" id="{D17E4FA3-D829-4E99-9664-20E4689C04E5}"/>
               </a:ext>
             </a:extLst>
           </p:cNvPr>
@@ -4341,7 +4622,7 @@
             <p:ph type="pic" idx="1"/>
           </p:nvPr>
         </p:nvPicPr>
-        <p:blipFill>
+        <p:blipFill rotWithShape="1">
           <a:blip r:embed="rId2">
             <a:extLst>
               <a:ext uri="{28A0092B-C50C-407E-A947-70E740481C1C}">
@@ -4349,19 +4630,22 @@
               </a:ext>
             </a:extLst>
           </a:blip>
-          <a:srcRect l="7785" r="7785"/>
-          <a:stretch>
-            <a:fillRect/>
-          </a:stretch>
+          <a:srcRect l="3594" r="7785"/>
+          <a:stretch/>
         </p:blipFill>
-        <p:spPr/>
+        <p:spPr>
+          <a:xfrm>
+            <a:off x="4876800" y="987425"/>
+            <a:ext cx="6478588" cy="4873625"/>
+          </a:xfrm>
+        </p:spPr>
       </p:pic>
       <p:sp>
         <p:nvSpPr>
           <p:cNvPr id="4" name="Text Placeholder 3">
             <a:extLst>
               <a:ext uri="{FF2B5EF4-FFF2-40B4-BE49-F238E27FC236}">
-                <a16:creationId xmlns:a16="http://schemas.microsoft.com/office/drawing/2014/main" id="{4314655F-3F0C-4565-86F4-84148A72860B}"/>
+                <a16:creationId xmlns:a16="http://schemas.microsoft.com/office/drawing/2014/main" id="{6C13F242-54E3-4446-BC15-2B05FC410F8B}"/>
               </a:ext>
             </a:extLst>
           </p:cNvPr>
@@ -4381,41 +4665,56 @@
               <a:buFont typeface="Arial" panose="020B0604020202020204" pitchFamily="34" charset="0"/>
               <a:buChar char="•"/>
             </a:pPr>
-            <a:endParaRPr lang="en-US" dirty="0"/>
+            <a:r>
+              <a:rPr lang="en-US" dirty="0"/>
+              <a:t>When the offensive line pushes the defensive line forward (green) there are fewer negative plays compared to when the defensive line pushes the offensive line backwards (red)</a:t>
+            </a:r>
           </a:p>
           <a:p>
             <a:pPr marL="285750" indent="-285750">
               <a:buFont typeface="Arial" panose="020B0604020202020204" pitchFamily="34" charset="0"/>
               <a:buChar char="•"/>
             </a:pPr>
-            <a:endParaRPr lang="en-US" dirty="0"/>
-          </a:p>
-          <a:p>
-            <a:pPr marL="285750" indent="-285750">
-              <a:buFont typeface="Arial" panose="020B0604020202020204" pitchFamily="34" charset="0"/>
-              <a:buChar char="•"/>
-            </a:pPr>
             <a:r>
               <a:rPr lang="en-US" dirty="0"/>
-              <a:t>Teams run the ball less when there are many yards needed for a first down.</a:t>
-            </a:r>
-          </a:p>
-          <a:p>
-            <a:pPr marL="285750" indent="-285750">
-              <a:buFont typeface="Arial" panose="020B0604020202020204" pitchFamily="34" charset="0"/>
-              <a:buChar char="•"/>
-            </a:pPr>
-            <a:r>
-              <a:rPr lang="en-US" dirty="0"/>
-              <a:t>Because of this, however, defenses are less prepared for the run, so runs tend to get more yards in long distance situations.</a:t>
-            </a:r>
+              <a:t>Surprisingly, explosive plays (yellow) happen more often when the offensive line gets pushed back. These may be cases</a:t>
+            </a:r>
+          </a:p>
+        </p:txBody>
+      </p:sp>
+      <p:sp>
+        <p:nvSpPr>
+          <p:cNvPr id="7" name="Slide Number Placeholder 6">
+            <a:extLst>
+              <a:ext uri="{FF2B5EF4-FFF2-40B4-BE49-F238E27FC236}">
+                <a16:creationId xmlns:a16="http://schemas.microsoft.com/office/drawing/2014/main" id="{4F5C4B40-E53A-46E6-8792-2490EBC32A45}"/>
+              </a:ext>
+            </a:extLst>
+          </p:cNvPr>
+          <p:cNvSpPr>
+            <a:spLocks noGrp="1"/>
+          </p:cNvSpPr>
+          <p:nvPr>
+            <p:ph type="sldNum" sz="quarter" idx="12"/>
+          </p:nvPr>
+        </p:nvSpPr>
+        <p:spPr/>
+        <p:txBody>
+          <a:bodyPr/>
+          <a:lstStyle/>
+          <a:p>
+            <a:fld id="{30E63449-98BB-4437-922A-D2046F78C84B}" type="slidenum">
+              <a:rPr lang="en-US" smtClean="0"/>
+              <a:t>16</a:t>
+            </a:fld>
+            <a:endParaRPr lang="en-US"/>
           </a:p>
         </p:txBody>
       </p:sp>
     </p:spTree>
     <p:extLst>
       <p:ext uri="{BB962C8B-B14F-4D97-AF65-F5344CB8AC3E}">
-        <p14:creationId xmlns:p14="http://schemas.microsoft.com/office/powerpoint/2010/main" val="2039925997"/>
+        <p14:creationId xmlns:p14="http://schemas.microsoft.com/office/powerpoint/2010/main" val="698720543"/>
       </p:ext>
     </p:extLst>
   </p:cSld>
@@ -4447,7 +4746,7 @@
           <p:cNvPr id="2" name="Title 1">
             <a:extLst>
               <a:ext uri="{FF2B5EF4-FFF2-40B4-BE49-F238E27FC236}">
-                <a16:creationId xmlns:a16="http://schemas.microsoft.com/office/drawing/2014/main" id="{1036596D-89A4-48E7-8DB6-50F8453F0438}"/>
+                <a16:creationId xmlns:a16="http://schemas.microsoft.com/office/drawing/2014/main" id="{301D837E-F887-4C5B-8F4F-7EC17016D7C6}"/>
               </a:ext>
             </a:extLst>
           </p:cNvPr>
@@ -4469,10 +4768,10 @@
       </p:sp>
       <p:pic>
         <p:nvPicPr>
-          <p:cNvPr id="6" name="Picture Placeholder 5" descr="A close up of text on a white background&#10;&#10;Description automatically generated">
-            <a:extLst>
-              <a:ext uri="{FF2B5EF4-FFF2-40B4-BE49-F238E27FC236}">
-                <a16:creationId xmlns:a16="http://schemas.microsoft.com/office/drawing/2014/main" id="{D17E4FA3-D829-4E99-9664-20E4689C04E5}"/>
+          <p:cNvPr id="6" name="Picture Placeholder 5" descr="A close up of a piece of paper&#10;&#10;Description automatically generated">
+            <a:extLst>
+              <a:ext uri="{FF2B5EF4-FFF2-40B4-BE49-F238E27FC236}">
+                <a16:creationId xmlns:a16="http://schemas.microsoft.com/office/drawing/2014/main" id="{E80D76E1-7360-4C1F-95BD-E243A6C1CACA}"/>
               </a:ext>
             </a:extLst>
           </p:cNvPr>
@@ -4491,13 +4790,13 @@
               </a:ext>
             </a:extLst>
           </a:blip>
-          <a:srcRect l="3594" r="7785"/>
+          <a:srcRect l="3433" r="7785"/>
           <a:stretch/>
         </p:blipFill>
         <p:spPr>
           <a:xfrm>
-            <a:off x="4876800" y="987425"/>
-            <a:ext cx="6478588" cy="4873625"/>
+            <a:off x="4865077" y="987425"/>
+            <a:ext cx="6490311" cy="4873625"/>
           </a:xfrm>
         </p:spPr>
       </p:pic>
@@ -4506,7 +4805,7 @@
           <p:cNvPr id="4" name="Text Placeholder 3">
             <a:extLst>
               <a:ext uri="{FF2B5EF4-FFF2-40B4-BE49-F238E27FC236}">
-                <a16:creationId xmlns:a16="http://schemas.microsoft.com/office/drawing/2014/main" id="{6C13F242-54E3-4446-BC15-2B05FC410F8B}"/>
+                <a16:creationId xmlns:a16="http://schemas.microsoft.com/office/drawing/2014/main" id="{99D2E86F-85F4-438F-9723-06C82F77FC7A}"/>
               </a:ext>
             </a:extLst>
           </p:cNvPr>
@@ -4528,25 +4827,44 @@
             </a:pPr>
             <a:r>
               <a:rPr lang="en-US" dirty="0"/>
-              <a:t>When the offensive line pushes the defensive line forward (green) there are fewer negative plays compared to when the defensive line pushes the offensive line backwards (red)</a:t>
-            </a:r>
-          </a:p>
-          <a:p>
-            <a:pPr marL="285750" indent="-285750">
-              <a:buFont typeface="Arial" panose="020B0604020202020204" pitchFamily="34" charset="0"/>
-              <a:buChar char="•"/>
-            </a:pPr>
-            <a:r>
-              <a:rPr lang="en-US" dirty="0"/>
-              <a:t>Surprisingly, explosive plays (yellow) happen more often when the offensive line gets pushed back. These may be cases</a:t>
-            </a:r>
+              <a:t>The same data but zoomed in and a lower alpha. You can see more clearly that there are fewer negative plays when the offensive line gets a push in the positive direction.</a:t>
+            </a:r>
+          </a:p>
+        </p:txBody>
+      </p:sp>
+      <p:sp>
+        <p:nvSpPr>
+          <p:cNvPr id="7" name="Slide Number Placeholder 6">
+            <a:extLst>
+              <a:ext uri="{FF2B5EF4-FFF2-40B4-BE49-F238E27FC236}">
+                <a16:creationId xmlns:a16="http://schemas.microsoft.com/office/drawing/2014/main" id="{387383DC-3B5A-4DCB-995F-7669BDCAF0FD}"/>
+              </a:ext>
+            </a:extLst>
+          </p:cNvPr>
+          <p:cNvSpPr>
+            <a:spLocks noGrp="1"/>
+          </p:cNvSpPr>
+          <p:nvPr>
+            <p:ph type="sldNum" sz="quarter" idx="12"/>
+          </p:nvPr>
+        </p:nvSpPr>
+        <p:spPr/>
+        <p:txBody>
+          <a:bodyPr/>
+          <a:lstStyle/>
+          <a:p>
+            <a:fld id="{30E63449-98BB-4437-922A-D2046F78C84B}" type="slidenum">
+              <a:rPr lang="en-US" smtClean="0"/>
+              <a:t>17</a:t>
+            </a:fld>
+            <a:endParaRPr lang="en-US"/>
           </a:p>
         </p:txBody>
       </p:sp>
     </p:spTree>
     <p:extLst>
       <p:ext uri="{BB962C8B-B14F-4D97-AF65-F5344CB8AC3E}">
-        <p14:creationId xmlns:p14="http://schemas.microsoft.com/office/powerpoint/2010/main" val="698720543"/>
+        <p14:creationId xmlns:p14="http://schemas.microsoft.com/office/powerpoint/2010/main" val="125205731"/>
       </p:ext>
     </p:extLst>
   </p:cSld>
@@ -4578,127 +4896,6 @@
           <p:cNvPr id="2" name="Title 1">
             <a:extLst>
               <a:ext uri="{FF2B5EF4-FFF2-40B4-BE49-F238E27FC236}">
-                <a16:creationId xmlns:a16="http://schemas.microsoft.com/office/drawing/2014/main" id="{301D837E-F887-4C5B-8F4F-7EC17016D7C6}"/>
-              </a:ext>
-            </a:extLst>
-          </p:cNvPr>
-          <p:cNvSpPr>
-            <a:spLocks noGrp="1"/>
-          </p:cNvSpPr>
-          <p:nvPr>
-            <p:ph type="title"/>
-          </p:nvPr>
-        </p:nvSpPr>
-        <p:spPr/>
-        <p:txBody>
-          <a:bodyPr/>
-          <a:lstStyle/>
-          <a:p>
-            <a:endParaRPr lang="en-US"/>
-          </a:p>
-        </p:txBody>
-      </p:sp>
-      <p:pic>
-        <p:nvPicPr>
-          <p:cNvPr id="6" name="Picture Placeholder 5" descr="A close up of a piece of paper&#10;&#10;Description automatically generated">
-            <a:extLst>
-              <a:ext uri="{FF2B5EF4-FFF2-40B4-BE49-F238E27FC236}">
-                <a16:creationId xmlns:a16="http://schemas.microsoft.com/office/drawing/2014/main" id="{E80D76E1-7360-4C1F-95BD-E243A6C1CACA}"/>
-              </a:ext>
-            </a:extLst>
-          </p:cNvPr>
-          <p:cNvPicPr>
-            <a:picLocks noGrp="1" noChangeAspect="1"/>
-          </p:cNvPicPr>
-          <p:nvPr>
-            <p:ph type="pic" idx="1"/>
-          </p:nvPr>
-        </p:nvPicPr>
-        <p:blipFill rotWithShape="1">
-          <a:blip r:embed="rId2">
-            <a:extLst>
-              <a:ext uri="{28A0092B-C50C-407E-A947-70E740481C1C}">
-                <a14:useLocalDpi xmlns:a14="http://schemas.microsoft.com/office/drawing/2010/main" val="0"/>
-              </a:ext>
-            </a:extLst>
-          </a:blip>
-          <a:srcRect l="3433" r="7785"/>
-          <a:stretch/>
-        </p:blipFill>
-        <p:spPr>
-          <a:xfrm>
-            <a:off x="4865077" y="987425"/>
-            <a:ext cx="6490311" cy="4873625"/>
-          </a:xfrm>
-        </p:spPr>
-      </p:pic>
-      <p:sp>
-        <p:nvSpPr>
-          <p:cNvPr id="4" name="Text Placeholder 3">
-            <a:extLst>
-              <a:ext uri="{FF2B5EF4-FFF2-40B4-BE49-F238E27FC236}">
-                <a16:creationId xmlns:a16="http://schemas.microsoft.com/office/drawing/2014/main" id="{99D2E86F-85F4-438F-9723-06C82F77FC7A}"/>
-              </a:ext>
-            </a:extLst>
-          </p:cNvPr>
-          <p:cNvSpPr>
-            <a:spLocks noGrp="1"/>
-          </p:cNvSpPr>
-          <p:nvPr>
-            <p:ph type="body" sz="half" idx="2"/>
-          </p:nvPr>
-        </p:nvSpPr>
-        <p:spPr/>
-        <p:txBody>
-          <a:bodyPr/>
-          <a:lstStyle/>
-          <a:p>
-            <a:pPr marL="285750" indent="-285750">
-              <a:buFont typeface="Arial" panose="020B0604020202020204" pitchFamily="34" charset="0"/>
-              <a:buChar char="•"/>
-            </a:pPr>
-            <a:r>
-              <a:rPr lang="en-US" dirty="0"/>
-              <a:t>The same data but zoomed in and a lower alpha. You can see more clearly that there are fewer negative plays when the offensive line gets a push in the positive direction.</a:t>
-            </a:r>
-          </a:p>
-        </p:txBody>
-      </p:sp>
-    </p:spTree>
-    <p:extLst>
-      <p:ext uri="{BB962C8B-B14F-4D97-AF65-F5344CB8AC3E}">
-        <p14:creationId xmlns:p14="http://schemas.microsoft.com/office/powerpoint/2010/main" val="125205731"/>
-      </p:ext>
-    </p:extLst>
-  </p:cSld>
-  <p:clrMapOvr>
-    <a:masterClrMapping/>
-  </p:clrMapOvr>
-</p:sld>
-</file>
-
-<file path=ppt/slides/slide19.xml><?xml version="1.0" encoding="utf-8"?>
-<p:sld xmlns:a="http://schemas.openxmlformats.org/drawingml/2006/main" xmlns:r="http://schemas.openxmlformats.org/officeDocument/2006/relationships" xmlns:p="http://schemas.openxmlformats.org/presentationml/2006/main">
-  <p:cSld>
-    <p:spTree>
-      <p:nvGrpSpPr>
-        <p:cNvPr id="1" name=""/>
-        <p:cNvGrpSpPr/>
-        <p:nvPr/>
-      </p:nvGrpSpPr>
-      <p:grpSpPr>
-        <a:xfrm>
-          <a:off x="0" y="0"/>
-          <a:ext cx="0" cy="0"/>
-          <a:chOff x="0" y="0"/>
-          <a:chExt cx="0" cy="0"/>
-        </a:xfrm>
-      </p:grpSpPr>
-      <p:sp>
-        <p:nvSpPr>
-          <p:cNvPr id="2" name="Title 1">
-            <a:extLst>
-              <a:ext uri="{FF2B5EF4-FFF2-40B4-BE49-F238E27FC236}">
                 <a16:creationId xmlns:a16="http://schemas.microsoft.com/office/drawing/2014/main" id="{CA267861-1457-4987-831A-283044C87030}"/>
               </a:ext>
             </a:extLst>
@@ -4790,6 +4987,35 @@
               <a:rPr lang="en-US" dirty="0"/>
               <a:t> gets a push.</a:t>
             </a:r>
+          </a:p>
+        </p:txBody>
+      </p:sp>
+      <p:sp>
+        <p:nvSpPr>
+          <p:cNvPr id="7" name="Slide Number Placeholder 6">
+            <a:extLst>
+              <a:ext uri="{FF2B5EF4-FFF2-40B4-BE49-F238E27FC236}">
+                <a16:creationId xmlns:a16="http://schemas.microsoft.com/office/drawing/2014/main" id="{4D145B36-A517-4AEF-8BD2-A3129E1FA032}"/>
+              </a:ext>
+            </a:extLst>
+          </p:cNvPr>
+          <p:cNvSpPr>
+            <a:spLocks noGrp="1"/>
+          </p:cNvSpPr>
+          <p:nvPr>
+            <p:ph type="sldNum" sz="quarter" idx="12"/>
+          </p:nvPr>
+        </p:nvSpPr>
+        <p:spPr/>
+        <p:txBody>
+          <a:bodyPr/>
+          <a:lstStyle/>
+          <a:p>
+            <a:fld id="{30E63449-98BB-4437-922A-D2046F78C84B}" type="slidenum">
+              <a:rPr lang="en-US" smtClean="0"/>
+              <a:t>18</a:t>
+            </a:fld>
+            <a:endParaRPr lang="en-US"/>
           </a:p>
         </p:txBody>
       </p:sp>
@@ -4888,6 +5114,35 @@
           </a:p>
         </p:txBody>
       </p:sp>
+      <p:sp>
+        <p:nvSpPr>
+          <p:cNvPr id="4" name="Slide Number Placeholder 3">
+            <a:extLst>
+              <a:ext uri="{FF2B5EF4-FFF2-40B4-BE49-F238E27FC236}">
+                <a16:creationId xmlns:a16="http://schemas.microsoft.com/office/drawing/2014/main" id="{A6E48FE1-7DF2-4083-ADB2-86B2831FC72F}"/>
+              </a:ext>
+            </a:extLst>
+          </p:cNvPr>
+          <p:cNvSpPr>
+            <a:spLocks noGrp="1"/>
+          </p:cNvSpPr>
+          <p:nvPr>
+            <p:ph type="sldNum" sz="quarter" idx="12"/>
+          </p:nvPr>
+        </p:nvSpPr>
+        <p:spPr/>
+        <p:txBody>
+          <a:bodyPr/>
+          <a:lstStyle/>
+          <a:p>
+            <a:fld id="{30E63449-98BB-4437-922A-D2046F78C84B}" type="slidenum">
+              <a:rPr lang="en-US" smtClean="0"/>
+              <a:t>2</a:t>
+            </a:fld>
+            <a:endParaRPr lang="en-US"/>
+          </a:p>
+        </p:txBody>
+      </p:sp>
     </p:spTree>
     <p:extLst>
       <p:ext uri="{BB962C8B-B14F-4D97-AF65-F5344CB8AC3E}">
@@ -5136,6 +5391,35 @@
           </a:p>
         </p:txBody>
       </p:sp>
+      <p:sp>
+        <p:nvSpPr>
+          <p:cNvPr id="5" name="Slide Number Placeholder 4">
+            <a:extLst>
+              <a:ext uri="{FF2B5EF4-FFF2-40B4-BE49-F238E27FC236}">
+                <a16:creationId xmlns:a16="http://schemas.microsoft.com/office/drawing/2014/main" id="{4D7E6F1C-A57C-45AB-B40C-AED36CB53D60}"/>
+              </a:ext>
+            </a:extLst>
+          </p:cNvPr>
+          <p:cNvSpPr>
+            <a:spLocks noGrp="1"/>
+          </p:cNvSpPr>
+          <p:nvPr>
+            <p:ph type="sldNum" sz="quarter" idx="12"/>
+          </p:nvPr>
+        </p:nvSpPr>
+        <p:spPr/>
+        <p:txBody>
+          <a:bodyPr/>
+          <a:lstStyle/>
+          <a:p>
+            <a:fld id="{30E63449-98BB-4437-922A-D2046F78C84B}" type="slidenum">
+              <a:rPr lang="en-US" smtClean="0"/>
+              <a:t>3</a:t>
+            </a:fld>
+            <a:endParaRPr lang="en-US"/>
+          </a:p>
+        </p:txBody>
+      </p:sp>
     </p:spTree>
     <p:extLst>
       <p:ext uri="{BB962C8B-B14F-4D97-AF65-F5344CB8AC3E}">
@@ -5329,6 +5613,35 @@
           </a:xfrm>
         </p:spPr>
       </p:pic>
+      <p:sp>
+        <p:nvSpPr>
+          <p:cNvPr id="15" name="Slide Number Placeholder 14">
+            <a:extLst>
+              <a:ext uri="{FF2B5EF4-FFF2-40B4-BE49-F238E27FC236}">
+                <a16:creationId xmlns:a16="http://schemas.microsoft.com/office/drawing/2014/main" id="{AD22F554-A013-4074-8AE6-DC464F9661D6}"/>
+              </a:ext>
+            </a:extLst>
+          </p:cNvPr>
+          <p:cNvSpPr>
+            <a:spLocks noGrp="1"/>
+          </p:cNvSpPr>
+          <p:nvPr>
+            <p:ph type="sldNum" sz="quarter" idx="12"/>
+          </p:nvPr>
+        </p:nvSpPr>
+        <p:spPr/>
+        <p:txBody>
+          <a:bodyPr/>
+          <a:lstStyle/>
+          <a:p>
+            <a:fld id="{30E63449-98BB-4437-922A-D2046F78C84B}" type="slidenum">
+              <a:rPr lang="en-US" smtClean="0"/>
+              <a:t>4</a:t>
+            </a:fld>
+            <a:endParaRPr lang="en-US"/>
+          </a:p>
+        </p:txBody>
+      </p:sp>
     </p:spTree>
     <p:extLst>
       <p:ext uri="{BB962C8B-B14F-4D97-AF65-F5344CB8AC3E}">
@@ -5408,7 +5721,7 @@
         <p:spPr/>
         <p:txBody>
           <a:bodyPr>
-            <a:normAutofit lnSpcReduction="10000"/>
+            <a:normAutofit/>
           </a:bodyPr>
           <a:lstStyle/>
           <a:p>
@@ -5417,7 +5730,7 @@
               <a:buChar char="•"/>
             </a:pPr>
             <a:r>
-              <a:rPr lang="en-US" dirty="0"/>
+              <a:rPr lang="en-US" sz="2000" dirty="0"/>
               <a:t>Yards is very positively skewed</a:t>
             </a:r>
           </a:p>
@@ -5427,7 +5740,7 @@
               <a:buChar char="•"/>
             </a:pPr>
             <a:r>
-              <a:rPr lang="en-US" dirty="0"/>
+              <a:rPr lang="en-US" sz="2000" dirty="0"/>
               <a:t>Variance is quite low</a:t>
             </a:r>
           </a:p>
@@ -5487,12 +5800,16 @@
         <p:spPr/>
         <p:txBody>
           <a:bodyPr>
-            <a:normAutofit lnSpcReduction="10000"/>
+            <a:normAutofit/>
           </a:bodyPr>
           <a:lstStyle/>
           <a:p>
-            <a:r>
-              <a:rPr lang="en-US" dirty="0"/>
+            <a:pPr marL="342900" indent="-342900">
+              <a:buFont typeface="Arial" panose="020B0604020202020204" pitchFamily="34" charset="0"/>
+              <a:buChar char="•"/>
+            </a:pPr>
+            <a:r>
+              <a:rPr lang="en-US" sz="2000" dirty="0"/>
               <a:t>The middle 50% of runs are between 1 and 6 yards</a:t>
             </a:r>
           </a:p>
@@ -5533,6 +5850,35 @@
           </a:xfrm>
         </p:spPr>
       </p:pic>
+      <p:sp>
+        <p:nvSpPr>
+          <p:cNvPr id="12" name="Slide Number Placeholder 11">
+            <a:extLst>
+              <a:ext uri="{FF2B5EF4-FFF2-40B4-BE49-F238E27FC236}">
+                <a16:creationId xmlns:a16="http://schemas.microsoft.com/office/drawing/2014/main" id="{D885C194-2D73-4298-850A-C7DCB2FD01F1}"/>
+              </a:ext>
+            </a:extLst>
+          </p:cNvPr>
+          <p:cNvSpPr>
+            <a:spLocks noGrp="1"/>
+          </p:cNvSpPr>
+          <p:nvPr>
+            <p:ph type="sldNum" sz="quarter" idx="12"/>
+          </p:nvPr>
+        </p:nvSpPr>
+        <p:spPr/>
+        <p:txBody>
+          <a:bodyPr/>
+          <a:lstStyle/>
+          <a:p>
+            <a:fld id="{30E63449-98BB-4437-922A-D2046F78C84B}" type="slidenum">
+              <a:rPr lang="en-US" smtClean="0"/>
+              <a:t>5</a:t>
+            </a:fld>
+            <a:endParaRPr lang="en-US"/>
+          </a:p>
+        </p:txBody>
+      </p:sp>
     </p:spTree>
     <p:extLst>
       <p:ext uri="{BB962C8B-B14F-4D97-AF65-F5344CB8AC3E}">
@@ -5612,42 +5958,42 @@
         <p:spPr/>
         <p:txBody>
           <a:bodyPr>
-            <a:normAutofit fontScale="77500" lnSpcReduction="20000"/>
+            <a:normAutofit/>
           </a:bodyPr>
           <a:lstStyle/>
           <a:p>
             <a:r>
-              <a:rPr lang="en-US" dirty="0"/>
+              <a:rPr lang="en-US" sz="1800" dirty="0"/>
               <a:t>Less yards are gained on 3</a:t>
             </a:r>
             <a:r>
-              <a:rPr lang="en-US" baseline="30000" dirty="0"/>
+              <a:rPr lang="en-US" sz="1800" baseline="30000" dirty="0"/>
               <a:t>rd</a:t>
             </a:r>
             <a:r>
-              <a:rPr lang="en-US" dirty="0"/>
+              <a:rPr lang="en-US" sz="1800" dirty="0"/>
               <a:t> and 4</a:t>
             </a:r>
             <a:r>
-              <a:rPr lang="en-US" baseline="30000" dirty="0"/>
+              <a:rPr lang="en-US" sz="1800" baseline="30000" dirty="0"/>
               <a:t>th</a:t>
             </a:r>
             <a:r>
-              <a:rPr lang="en-US" dirty="0"/>
+              <a:rPr lang="en-US" sz="1800" dirty="0"/>
               <a:t> down</a:t>
             </a:r>
           </a:p>
           <a:p>
             <a:r>
-              <a:rPr lang="en-US" dirty="0"/>
+              <a:rPr lang="en-US" sz="1800" dirty="0"/>
               <a:t>The variance decreases significantly on 4</a:t>
             </a:r>
             <a:r>
-              <a:rPr lang="en-US" baseline="30000" dirty="0"/>
+              <a:rPr lang="en-US" sz="1800" baseline="30000" dirty="0"/>
               <a:t>th</a:t>
             </a:r>
             <a:r>
-              <a:rPr lang="en-US" dirty="0"/>
+              <a:rPr lang="en-US" sz="1800" dirty="0"/>
               <a:t> down</a:t>
             </a:r>
           </a:p>
@@ -5707,12 +6053,12 @@
         <p:spPr/>
         <p:txBody>
           <a:bodyPr>
-            <a:normAutofit fontScale="77500" lnSpcReduction="20000"/>
+            <a:normAutofit/>
           </a:bodyPr>
           <a:lstStyle/>
           <a:p>
             <a:r>
-              <a:rPr lang="en-US" dirty="0"/>
+              <a:rPr lang="en-US" sz="1800" dirty="0"/>
               <a:t>There appears to be no difference between the Home and Away team</a:t>
             </a:r>
           </a:p>
@@ -5753,6 +6099,35 @@
           </a:xfrm>
         </p:spPr>
       </p:pic>
+      <p:sp>
+        <p:nvSpPr>
+          <p:cNvPr id="16" name="Slide Number Placeholder 15">
+            <a:extLst>
+              <a:ext uri="{FF2B5EF4-FFF2-40B4-BE49-F238E27FC236}">
+                <a16:creationId xmlns:a16="http://schemas.microsoft.com/office/drawing/2014/main" id="{B4843900-4435-4D73-BB87-EFC767178073}"/>
+              </a:ext>
+            </a:extLst>
+          </p:cNvPr>
+          <p:cNvSpPr>
+            <a:spLocks noGrp="1"/>
+          </p:cNvSpPr>
+          <p:nvPr>
+            <p:ph type="sldNum" sz="quarter" idx="12"/>
+          </p:nvPr>
+        </p:nvSpPr>
+        <p:spPr/>
+        <p:txBody>
+          <a:bodyPr/>
+          <a:lstStyle/>
+          <a:p>
+            <a:fld id="{30E63449-98BB-4437-922A-D2046F78C84B}" type="slidenum">
+              <a:rPr lang="en-US" smtClean="0"/>
+              <a:t>6</a:t>
+            </a:fld>
+            <a:endParaRPr lang="en-US"/>
+          </a:p>
+        </p:txBody>
+      </p:sp>
     </p:spTree>
     <p:extLst>
       <p:ext uri="{BB962C8B-B14F-4D97-AF65-F5344CB8AC3E}">
@@ -5832,12 +6207,12 @@
         <p:spPr/>
         <p:txBody>
           <a:bodyPr>
-            <a:normAutofit fontScale="92500" lnSpcReduction="20000"/>
+            <a:normAutofit/>
           </a:bodyPr>
           <a:lstStyle/>
           <a:p>
             <a:r>
-              <a:rPr lang="en-US" dirty="0"/>
+              <a:rPr lang="en-US" sz="1800" dirty="0"/>
               <a:t>Teams gain fewer yards when there are more defenders in the box</a:t>
             </a:r>
           </a:p>
@@ -5897,12 +6272,12 @@
         <p:spPr/>
         <p:txBody>
           <a:bodyPr>
-            <a:normAutofit fontScale="92500" lnSpcReduction="20000"/>
+            <a:normAutofit/>
           </a:bodyPr>
           <a:lstStyle/>
           <a:p>
             <a:r>
-              <a:rPr lang="en-US" dirty="0"/>
+              <a:rPr lang="en-US" sz="1800" dirty="0"/>
               <a:t>Teams gain the same yards in each quarter, but there are fewer explosive plays in overtime</a:t>
             </a:r>
           </a:p>
@@ -5943,6 +6318,35 @@
           </a:xfrm>
         </p:spPr>
       </p:pic>
+      <p:sp>
+        <p:nvSpPr>
+          <p:cNvPr id="11" name="Slide Number Placeholder 10">
+            <a:extLst>
+              <a:ext uri="{FF2B5EF4-FFF2-40B4-BE49-F238E27FC236}">
+                <a16:creationId xmlns:a16="http://schemas.microsoft.com/office/drawing/2014/main" id="{2BB3EB9A-2031-4BF4-AAB7-2E46F38D0712}"/>
+              </a:ext>
+            </a:extLst>
+          </p:cNvPr>
+          <p:cNvSpPr>
+            <a:spLocks noGrp="1"/>
+          </p:cNvSpPr>
+          <p:nvPr>
+            <p:ph type="sldNum" sz="quarter" idx="12"/>
+          </p:nvPr>
+        </p:nvSpPr>
+        <p:spPr/>
+        <p:txBody>
+          <a:bodyPr/>
+          <a:lstStyle/>
+          <a:p>
+            <a:fld id="{30E63449-98BB-4437-922A-D2046F78C84B}" type="slidenum">
+              <a:rPr lang="en-US" smtClean="0"/>
+              <a:t>7</a:t>
+            </a:fld>
+            <a:endParaRPr lang="en-US"/>
+          </a:p>
+        </p:txBody>
+      </p:sp>
     </p:spTree>
     <p:extLst>
       <p:ext uri="{BB962C8B-B14F-4D97-AF65-F5344CB8AC3E}">
@@ -5975,101 +6379,39 @@
       </p:grpSpPr>
       <p:sp>
         <p:nvSpPr>
-          <p:cNvPr id="2" name="Title 1">
-            <a:extLst>
-              <a:ext uri="{FF2B5EF4-FFF2-40B4-BE49-F238E27FC236}">
-                <a16:creationId xmlns:a16="http://schemas.microsoft.com/office/drawing/2014/main" id="{18C119D7-5A98-4C9F-AA82-42F039B779B4}"/>
-              </a:ext>
-            </a:extLst>
-          </p:cNvPr>
-          <p:cNvSpPr>
-            <a:spLocks noGrp="1"/>
-          </p:cNvSpPr>
-          <p:nvPr>
-            <p:ph type="title"/>
-          </p:nvPr>
-        </p:nvSpPr>
-        <p:spPr/>
-        <p:txBody>
-          <a:bodyPr/>
-          <a:lstStyle/>
-          <a:p>
-            <a:endParaRPr lang="en-US" dirty="0"/>
-          </a:p>
-        </p:txBody>
-      </p:sp>
-      <p:sp>
-        <p:nvSpPr>
-          <p:cNvPr id="4" name="Text Placeholder 3">
-            <a:extLst>
-              <a:ext uri="{FF2B5EF4-FFF2-40B4-BE49-F238E27FC236}">
-                <a16:creationId xmlns:a16="http://schemas.microsoft.com/office/drawing/2014/main" id="{023CDC7A-2F25-4732-BE8F-26C984F74323}"/>
-              </a:ext>
-            </a:extLst>
-          </p:cNvPr>
-          <p:cNvSpPr>
-            <a:spLocks noGrp="1"/>
-          </p:cNvSpPr>
-          <p:nvPr>
-            <p:ph type="body" sz="half" idx="2"/>
-          </p:nvPr>
-        </p:nvSpPr>
-        <p:spPr/>
-        <p:txBody>
-          <a:bodyPr/>
-          <a:lstStyle/>
-          <a:p>
-            <a:pPr marL="285750" indent="-285750">
-              <a:buFont typeface="Arial" panose="020B0604020202020204" pitchFamily="34" charset="0"/>
-              <a:buChar char="•"/>
-            </a:pPr>
-            <a:r>
-              <a:rPr lang="en-US" dirty="0"/>
-              <a:t>Running Backs get the vast majority of carries.</a:t>
-            </a:r>
-          </a:p>
-          <a:p>
-            <a:pPr marL="285750" indent="-285750">
-              <a:buFont typeface="Arial" panose="020B0604020202020204" pitchFamily="34" charset="0"/>
-              <a:buChar char="•"/>
-            </a:pPr>
-            <a:endParaRPr lang="en-US" dirty="0"/>
-          </a:p>
-          <a:p>
-            <a:pPr marL="285750" indent="-285750">
-              <a:buFont typeface="Arial" panose="020B0604020202020204" pitchFamily="34" charset="0"/>
-              <a:buChar char="•"/>
-            </a:pPr>
-            <a:r>
-              <a:rPr lang="en-US" dirty="0"/>
-              <a:t>Cornerbacks gain the most yards per carry; however they only carried the ball 10 times in the last two years.</a:t>
-            </a:r>
-          </a:p>
-          <a:p>
-            <a:pPr marL="285750" indent="-285750">
-              <a:buFont typeface="Arial" panose="020B0604020202020204" pitchFamily="34" charset="0"/>
-              <a:buChar char="•"/>
-            </a:pPr>
-            <a:endParaRPr lang="en-US" dirty="0"/>
-          </a:p>
-          <a:p>
-            <a:pPr marL="285750" indent="-285750">
-              <a:buFont typeface="Arial" panose="020B0604020202020204" pitchFamily="34" charset="0"/>
-              <a:buChar char="•"/>
-            </a:pPr>
-            <a:r>
-              <a:rPr lang="en-US" dirty="0"/>
-              <a:t>Wide Receivers get a significant amount of carries and also seem to gain significantly more yards than Running Backs.</a:t>
-            </a:r>
+          <p:cNvPr id="25" name="Slide Number Placeholder 24">
+            <a:extLst>
+              <a:ext uri="{FF2B5EF4-FFF2-40B4-BE49-F238E27FC236}">
+                <a16:creationId xmlns:a16="http://schemas.microsoft.com/office/drawing/2014/main" id="{81AD9686-D496-4435-B03C-B3DBB857E3A0}"/>
+              </a:ext>
+            </a:extLst>
+          </p:cNvPr>
+          <p:cNvSpPr>
+            <a:spLocks noGrp="1"/>
+          </p:cNvSpPr>
+          <p:nvPr>
+            <p:ph type="sldNum" sz="quarter" idx="12"/>
+          </p:nvPr>
+        </p:nvSpPr>
+        <p:spPr/>
+        <p:txBody>
+          <a:bodyPr/>
+          <a:lstStyle/>
+          <a:p>
+            <a:fld id="{30E63449-98BB-4437-922A-D2046F78C84B}" type="slidenum">
+              <a:rPr lang="en-US" smtClean="0"/>
+              <a:t>8</a:t>
+            </a:fld>
+            <a:endParaRPr lang="en-US"/>
           </a:p>
         </p:txBody>
       </p:sp>
       <p:pic>
         <p:nvPicPr>
-          <p:cNvPr id="22" name="Picture Placeholder 21" descr="A screenshot of a cell phone&#10;&#10;Description automatically generated">
-            <a:extLst>
-              <a:ext uri="{FF2B5EF4-FFF2-40B4-BE49-F238E27FC236}">
-                <a16:creationId xmlns:a16="http://schemas.microsoft.com/office/drawing/2014/main" id="{39D60DFA-CD5E-4EF2-A900-701414958E05}"/>
+          <p:cNvPr id="30" name="Content Placeholder 29" descr="A close up of a device&#10;&#10;Description automatically generated">
+            <a:extLst>
+              <a:ext uri="{FF2B5EF4-FFF2-40B4-BE49-F238E27FC236}">
+                <a16:creationId xmlns:a16="http://schemas.microsoft.com/office/drawing/2014/main" id="{B0E27F6E-F0F3-49FB-9AE2-924FC31481EB}"/>
               </a:ext>
             </a:extLst>
           </p:cNvPr>
@@ -6077,10 +6419,10 @@
             <a:picLocks noGrp="1" noChangeAspect="1"/>
           </p:cNvPicPr>
           <p:nvPr>
-            <p:ph type="pic" idx="1"/>
+            <p:ph idx="4294967295"/>
           </p:nvPr>
         </p:nvPicPr>
-        <p:blipFill rotWithShape="1">
+        <p:blipFill>
           <a:blip r:embed="rId2">
             <a:extLst>
               <a:ext uri="{28A0092B-C50C-407E-A947-70E740481C1C}">
@@ -6088,11 +6430,173 @@
               </a:ext>
             </a:extLst>
           </a:blip>
-          <a:srcRect t="-9221" b="-9221"/>
-          <a:stretch/>
+          <a:stretch>
+            <a:fillRect/>
+          </a:stretch>
         </p:blipFill>
-        <p:spPr/>
+        <p:spPr>
+          <a:xfrm>
+            <a:off x="691660" y="1"/>
+            <a:ext cx="10374923" cy="6858000"/>
+          </a:xfrm>
+        </p:spPr>
       </p:pic>
+      <p:sp>
+        <p:nvSpPr>
+          <p:cNvPr id="31" name="Speech Bubble: Rectangle 30">
+            <a:extLst>
+              <a:ext uri="{FF2B5EF4-FFF2-40B4-BE49-F238E27FC236}">
+                <a16:creationId xmlns:a16="http://schemas.microsoft.com/office/drawing/2014/main" id="{1FECB678-A0C8-48F1-B8ED-C3C7859B87DD}"/>
+              </a:ext>
+            </a:extLst>
+          </p:cNvPr>
+          <p:cNvSpPr/>
+          <p:nvPr/>
+        </p:nvSpPr>
+        <p:spPr>
+          <a:xfrm>
+            <a:off x="3346206" y="1025769"/>
+            <a:ext cx="1934307" cy="307731"/>
+          </a:xfrm>
+          <a:prstGeom prst="wedgeRectCallout">
+            <a:avLst>
+              <a:gd name="adj1" fmla="val -54810"/>
+              <a:gd name="adj2" fmla="val -36318"/>
+            </a:avLst>
+          </a:prstGeom>
+        </p:spPr>
+        <p:style>
+          <a:lnRef idx="2">
+            <a:schemeClr val="accent1">
+              <a:shade val="50000"/>
+            </a:schemeClr>
+          </a:lnRef>
+          <a:fillRef idx="1">
+            <a:schemeClr val="accent1"/>
+          </a:fillRef>
+          <a:effectRef idx="0">
+            <a:schemeClr val="accent1"/>
+          </a:effectRef>
+          <a:fontRef idx="minor">
+            <a:schemeClr val="lt1"/>
+          </a:fontRef>
+        </p:style>
+        <p:txBody>
+          <a:bodyPr rtlCol="0" anchor="ctr"/>
+          <a:lstStyle/>
+          <a:p>
+            <a:pPr algn="ctr"/>
+            <a:r>
+              <a:rPr lang="en-US" sz="900" dirty="0"/>
+              <a:t>Running Backs get the vast majority of carries</a:t>
+            </a:r>
+          </a:p>
+        </p:txBody>
+      </p:sp>
+      <p:sp>
+        <p:nvSpPr>
+          <p:cNvPr id="32" name="Speech Bubble: Rectangle 31">
+            <a:extLst>
+              <a:ext uri="{FF2B5EF4-FFF2-40B4-BE49-F238E27FC236}">
+                <a16:creationId xmlns:a16="http://schemas.microsoft.com/office/drawing/2014/main" id="{D0118BC8-AAFD-4E68-919A-252A99913747}"/>
+              </a:ext>
+            </a:extLst>
+          </p:cNvPr>
+          <p:cNvSpPr/>
+          <p:nvPr/>
+        </p:nvSpPr>
+        <p:spPr>
+          <a:xfrm>
+            <a:off x="3390900" y="1828800"/>
+            <a:ext cx="1866900" cy="381000"/>
+          </a:xfrm>
+          <a:prstGeom prst="wedgeRectCallout">
+            <a:avLst>
+              <a:gd name="adj1" fmla="val -64200"/>
+              <a:gd name="adj2" fmla="val 0"/>
+            </a:avLst>
+          </a:prstGeom>
+        </p:spPr>
+        <p:style>
+          <a:lnRef idx="2">
+            <a:schemeClr val="accent1">
+              <a:shade val="50000"/>
+            </a:schemeClr>
+          </a:lnRef>
+          <a:fillRef idx="1">
+            <a:schemeClr val="accent1"/>
+          </a:fillRef>
+          <a:effectRef idx="0">
+            <a:schemeClr val="accent1"/>
+          </a:effectRef>
+          <a:fontRef idx="minor">
+            <a:schemeClr val="lt1"/>
+          </a:fontRef>
+        </p:style>
+        <p:txBody>
+          <a:bodyPr rtlCol="0" anchor="ctr"/>
+          <a:lstStyle/>
+          <a:p>
+            <a:pPr algn="ctr"/>
+            <a:r>
+              <a:rPr lang="en-US" sz="900" dirty="0"/>
+              <a:t>Cornerbacks have high yards per carry, but only 10 carries in the last 2 years</a:t>
+            </a:r>
+          </a:p>
+        </p:txBody>
+      </p:sp>
+      <p:sp>
+        <p:nvSpPr>
+          <p:cNvPr id="33" name="Speech Bubble: Rectangle 32">
+            <a:extLst>
+              <a:ext uri="{FF2B5EF4-FFF2-40B4-BE49-F238E27FC236}">
+                <a16:creationId xmlns:a16="http://schemas.microsoft.com/office/drawing/2014/main" id="{C0438A1F-8194-4A8E-8520-71D83025B43C}"/>
+              </a:ext>
+            </a:extLst>
+          </p:cNvPr>
+          <p:cNvSpPr/>
+          <p:nvPr/>
+        </p:nvSpPr>
+        <p:spPr>
+          <a:xfrm>
+            <a:off x="7019925" y="1828800"/>
+            <a:ext cx="1743075" cy="638175"/>
+          </a:xfrm>
+          <a:prstGeom prst="wedgeRectCallout">
+            <a:avLst>
+              <a:gd name="adj1" fmla="val 41463"/>
+              <a:gd name="adj2" fmla="val 94552"/>
+            </a:avLst>
+          </a:prstGeom>
+        </p:spPr>
+        <p:style>
+          <a:lnRef idx="2">
+            <a:schemeClr val="accent1">
+              <a:shade val="50000"/>
+            </a:schemeClr>
+          </a:lnRef>
+          <a:fillRef idx="1">
+            <a:schemeClr val="accent1"/>
+          </a:fillRef>
+          <a:effectRef idx="0">
+            <a:schemeClr val="accent1"/>
+          </a:effectRef>
+          <a:fontRef idx="minor">
+            <a:schemeClr val="lt1"/>
+          </a:fontRef>
+        </p:style>
+        <p:txBody>
+          <a:bodyPr rtlCol="0" anchor="ctr"/>
+          <a:lstStyle/>
+          <a:p>
+            <a:pPr algn="ctr"/>
+            <a:r>
+              <a:rPr lang="en-US" sz="900" dirty="0"/>
+              <a:t>Wide Receivers get a significant number of carries and higher yards per carry than Running Backs</a:t>
+            </a:r>
+          </a:p>
+        </p:txBody>
+      </p:sp>
     </p:spTree>
     <p:extLst>
       <p:ext uri="{BB962C8B-B14F-4D97-AF65-F5344CB8AC3E}">
@@ -6112,7 +6616,7 @@
     <p:bg>
       <p:bgPr>
         <a:solidFill>
-          <a:schemeClr val="bg2"/>
+          <a:schemeClr val="bg1"/>
         </a:solidFill>
         <a:effectLst/>
       </p:bgPr>
@@ -6131,220 +6635,89 @@
           <a:chExt cx="0" cy="0"/>
         </a:xfrm>
       </p:grpSpPr>
-      <p:sp>
-        <p:nvSpPr>
-          <p:cNvPr id="10" name="Rectangle 9">
-            <a:extLst>
-              <a:ext uri="{FF2B5EF4-FFF2-40B4-BE49-F238E27FC236}">
-                <a16:creationId xmlns:a16="http://schemas.microsoft.com/office/drawing/2014/main" id="{BEE73255-8084-4DF9-BB0B-15EAC92E2CB9}"/>
-              </a:ext>
-              <a:ext uri="{C183D7F6-B498-43B3-948B-1728B52AA6E4}">
-                <adec:decorative xmlns:adec="http://schemas.microsoft.com/office/drawing/2017/decorative" val="1"/>
-              </a:ext>
-            </a:extLst>
-          </p:cNvPr>
-          <p:cNvSpPr>
-            <a:spLocks noGrp="1" noRot="1" noChangeAspect="1" noMove="1" noResize="1" noEditPoints="1" noAdjustHandles="1" noChangeArrowheads="1" noChangeShapeType="1" noTextEdit="1"/>
-          </p:cNvSpPr>
-          <p:nvPr>
-            <p:extLst>
-              <p:ext uri="{386F3935-93C4-4BCD-93E2-E3B085C9AB24}">
-                <p16:designElem xmlns:p16="http://schemas.microsoft.com/office/powerpoint/2015/main" val="1"/>
-              </p:ext>
-            </p:extLst>
-          </p:nvPr>
-        </p:nvSpPr>
+      <p:pic>
+        <p:nvPicPr>
+          <p:cNvPr id="11" name="Content Placeholder 10" descr="A picture containing stationary, pencil&#10;&#10;Description automatically generated">
+            <a:extLst>
+              <a:ext uri="{FF2B5EF4-FFF2-40B4-BE49-F238E27FC236}">
+                <a16:creationId xmlns:a16="http://schemas.microsoft.com/office/drawing/2014/main" id="{6047A273-394D-4046-8FDC-C532DD423E40}"/>
+              </a:ext>
+            </a:extLst>
+          </p:cNvPr>
+          <p:cNvPicPr>
+            <a:picLocks noGrp="1" noChangeAspect="1"/>
+          </p:cNvPicPr>
+          <p:nvPr>
+            <p:ph idx="4294967295"/>
+          </p:nvPr>
+        </p:nvPicPr>
+        <p:blipFill rotWithShape="1">
+          <a:blip r:embed="rId2">
+            <a:extLst>
+              <a:ext uri="{28A0092B-C50C-407E-A947-70E740481C1C}">
+                <a14:useLocalDpi xmlns:a14="http://schemas.microsoft.com/office/drawing/2010/main" val="0"/>
+              </a:ext>
+            </a:extLst>
+          </a:blip>
+          <a:srcRect t="4952" b="-2901"/>
+          <a:stretch/>
+        </p:blipFill>
         <p:spPr>
           <a:xfrm>
-            <a:off x="0" y="0"/>
-            <a:ext cx="12192000" cy="6858000"/>
+            <a:off x="1143959" y="246185"/>
+            <a:ext cx="9904082" cy="6475289"/>
           </a:xfrm>
           <a:prstGeom prst="rect">
             <a:avLst/>
           </a:prstGeom>
-          <a:solidFill>
-            <a:srgbClr val="C8CACA"/>
-          </a:solidFill>
-          <a:ln>
-            <a:noFill/>
-          </a:ln>
         </p:spPr>
-        <p:style>
-          <a:lnRef idx="2">
-            <a:schemeClr val="accent1">
-              <a:shade val="50000"/>
-            </a:schemeClr>
-          </a:lnRef>
-          <a:fillRef idx="1">
-            <a:schemeClr val="accent1"/>
-          </a:fillRef>
-          <a:effectRef idx="0">
-            <a:schemeClr val="accent1"/>
-          </a:effectRef>
-          <a:fontRef idx="minor">
-            <a:schemeClr val="lt1"/>
-          </a:fontRef>
-        </p:style>
-        <p:txBody>
-          <a:bodyPr rtlCol="0" anchor="ctr"/>
-          <a:lstStyle/>
-          <a:p>
-            <a:pPr algn="ctr"/>
-            <a:endParaRPr lang="en-US"/>
-          </a:p>
-        </p:txBody>
-      </p:sp>
-      <p:sp>
-        <p:nvSpPr>
-          <p:cNvPr id="2" name="Title 1">
-            <a:extLst>
-              <a:ext uri="{FF2B5EF4-FFF2-40B4-BE49-F238E27FC236}">
-                <a16:creationId xmlns:a16="http://schemas.microsoft.com/office/drawing/2014/main" id="{CC24CB45-9E45-4C87-8240-E3534940FEDE}"/>
-              </a:ext>
-            </a:extLst>
-          </p:cNvPr>
-          <p:cNvSpPr>
-            <a:spLocks noGrp="1"/>
-          </p:cNvSpPr>
-          <p:nvPr>
-            <p:ph type="title"/>
+      </p:pic>
+      <p:sp>
+        <p:nvSpPr>
+          <p:cNvPr id="6" name="Slide Number Placeholder 5">
+            <a:extLst>
+              <a:ext uri="{FF2B5EF4-FFF2-40B4-BE49-F238E27FC236}">
+                <a16:creationId xmlns:a16="http://schemas.microsoft.com/office/drawing/2014/main" id="{CC1C4799-CAA1-445D-A589-E5EB1985B2FF}"/>
+              </a:ext>
+            </a:extLst>
+          </p:cNvPr>
+          <p:cNvSpPr>
+            <a:spLocks noGrp="1"/>
+          </p:cNvSpPr>
+          <p:nvPr>
+            <p:ph type="sldNum" sz="quarter" idx="12"/>
           </p:nvPr>
         </p:nvSpPr>
         <p:spPr>
           <a:xfrm>
-            <a:off x="603938" y="640081"/>
-            <a:ext cx="2608655" cy="5257799"/>
+            <a:off x="8610600" y="6356350"/>
+            <a:ext cx="2743200" cy="365125"/>
           </a:xfrm>
         </p:spPr>
         <p:txBody>
-          <a:bodyPr vert="horz" lIns="91440" tIns="45720" rIns="91440" bIns="45720" rtlCol="0" anchor="ctr">
+          <a:bodyPr>
             <a:normAutofit/>
           </a:bodyPr>
           <a:lstStyle/>
           <a:p>
-            <a:r>
-              <a:rPr lang="en-US" sz="3600">
-                <a:solidFill>
-                  <a:srgbClr val="2C2C2C"/>
-                </a:solidFill>
-              </a:rPr>
-              <a:t>Over the last two years some teams gain more yards per carry than others</a:t>
-            </a:r>
-          </a:p>
-        </p:txBody>
-      </p:sp>
-      <p:sp>
-        <p:nvSpPr>
-          <p:cNvPr id="12" name="Rounded Rectangle 9">
-            <a:extLst>
-              <a:ext uri="{FF2B5EF4-FFF2-40B4-BE49-F238E27FC236}">
-                <a16:creationId xmlns:a16="http://schemas.microsoft.com/office/drawing/2014/main" id="{67048353-8981-459A-9BC6-9711CE462E06}"/>
-              </a:ext>
-              <a:ext uri="{C183D7F6-B498-43B3-948B-1728B52AA6E4}">
-                <adec:decorative xmlns:adec="http://schemas.microsoft.com/office/drawing/2017/decorative" val="1"/>
-              </a:ext>
-            </a:extLst>
-          </p:cNvPr>
-          <p:cNvSpPr>
-            <a:spLocks noGrp="1" noRot="1" noChangeAspect="1" noMove="1" noResize="1" noEditPoints="1" noAdjustHandles="1" noChangeArrowheads="1" noChangeShapeType="1" noTextEdit="1"/>
-          </p:cNvSpPr>
-          <p:nvPr>
-            <p:extLst>
-              <p:ext uri="{386F3935-93C4-4BCD-93E2-E3B085C9AB24}">
-                <p16:designElem xmlns:p16="http://schemas.microsoft.com/office/powerpoint/2015/main" val="1"/>
-              </p:ext>
-            </p:extLst>
-          </p:nvPr>
-        </p:nvSpPr>
-        <p:spPr>
-          <a:xfrm>
-            <a:off x="3580067" y="484632"/>
-            <a:ext cx="8129016" cy="5724144"/>
-          </a:xfrm>
-          <a:prstGeom prst="roundRect">
-            <a:avLst>
-              <a:gd name="adj" fmla="val 0"/>
-            </a:avLst>
-          </a:prstGeom>
-          <a:solidFill>
-            <a:srgbClr val="FFFFFF"/>
-          </a:solidFill>
-          <a:ln w="9525">
-            <a:solidFill>
-              <a:srgbClr val="C8CACA"/>
-            </a:solidFill>
-          </a:ln>
-          <a:effectLst>
-            <a:outerShdw blurRad="57150" dist="19050" dir="5400000" algn="t" rotWithShape="0">
-              <a:prstClr val="black">
-                <a:alpha val="63000"/>
-              </a:prstClr>
-            </a:outerShdw>
-          </a:effectLst>
-        </p:spPr>
-        <p:style>
-          <a:lnRef idx="2">
-            <a:schemeClr val="accent1">
-              <a:shade val="50000"/>
-            </a:schemeClr>
-          </a:lnRef>
-          <a:fillRef idx="1">
-            <a:schemeClr val="accent1"/>
-          </a:fillRef>
-          <a:effectRef idx="0">
-            <a:schemeClr val="accent1"/>
-          </a:effectRef>
-          <a:fontRef idx="minor">
-            <a:schemeClr val="lt1"/>
-          </a:fontRef>
-        </p:style>
-        <p:txBody>
-          <a:bodyPr rtlCol="0" anchor="ctr"/>
-          <a:lstStyle/>
-          <a:p>
-            <a:pPr algn="ctr"/>
+            <a:pPr>
+              <a:spcAft>
+                <a:spcPts val="600"/>
+              </a:spcAft>
+            </a:pPr>
+            <a:fld id="{30E63449-98BB-4437-922A-D2046F78C84B}" type="slidenum">
+              <a:rPr lang="en-US"/>
+              <a:pPr>
+                <a:spcAft>
+                  <a:spcPts val="600"/>
+                </a:spcAft>
+              </a:pPr>
+              <a:t>9</a:t>
+            </a:fld>
             <a:endParaRPr lang="en-US"/>
           </a:p>
         </p:txBody>
       </p:sp>
-      <p:pic>
-        <p:nvPicPr>
-          <p:cNvPr id="5" name="Content Placeholder 4" descr="A screenshot of a cell phone&#10;&#10;Description automatically generated">
-            <a:extLst>
-              <a:ext uri="{FF2B5EF4-FFF2-40B4-BE49-F238E27FC236}">
-                <a16:creationId xmlns:a16="http://schemas.microsoft.com/office/drawing/2014/main" id="{73D3304C-3030-4748-8FD1-0D77557D4764}"/>
-              </a:ext>
-            </a:extLst>
-          </p:cNvPr>
-          <p:cNvPicPr>
-            <a:picLocks noGrp="1" noChangeAspect="1"/>
-          </p:cNvPicPr>
-          <p:nvPr>
-            <p:ph idx="1"/>
-          </p:nvPr>
-        </p:nvPicPr>
-        <p:blipFill rotWithShape="1">
-          <a:blip r:embed="rId2">
-            <a:extLst>
-              <a:ext uri="{28A0092B-C50C-407E-A947-70E740481C1C}">
-                <a14:useLocalDpi xmlns:a14="http://schemas.microsoft.com/office/drawing/2010/main" val="0"/>
-              </a:ext>
-            </a:extLst>
-          </a:blip>
-          <a:srcRect l="559" r="1" b="1"/>
-          <a:stretch/>
-        </p:blipFill>
-        <p:spPr>
-          <a:xfrm>
-            <a:off x="4062964" y="942538"/>
-            <a:ext cx="7163222" cy="4808332"/>
-          </a:xfrm>
-          <a:prstGeom prst="rect">
-            <a:avLst/>
-          </a:prstGeom>
-          <a:effectLst/>
-        </p:spPr>
-      </p:pic>
     </p:spTree>
     <p:extLst>
       <p:ext uri="{BB962C8B-B14F-4D97-AF65-F5344CB8AC3E}">
@@ -6651,4 +7024,299 @@
     </a:ext>
   </a:extLst>
 </a:theme>
+</file>
+
+<file path=ppt/theme/theme2.xml><?xml version="1.0" encoding="utf-8"?>
+<a:theme xmlns:a="http://schemas.openxmlformats.org/drawingml/2006/main" name="Office Theme">
+  <a:themeElements>
+    <a:clrScheme name="Office">
+      <a:dk1>
+        <a:sysClr val="windowText" lastClr="000000"/>
+      </a:dk1>
+      <a:lt1>
+        <a:sysClr val="window" lastClr="FFFFFF"/>
+      </a:lt1>
+      <a:dk2>
+        <a:srgbClr val="44546A"/>
+      </a:dk2>
+      <a:lt2>
+        <a:srgbClr val="E7E6E6"/>
+      </a:lt2>
+      <a:accent1>
+        <a:srgbClr val="4472C4"/>
+      </a:accent1>
+      <a:accent2>
+        <a:srgbClr val="ED7D31"/>
+      </a:accent2>
+      <a:accent3>
+        <a:srgbClr val="A5A5A5"/>
+      </a:accent3>
+      <a:accent4>
+        <a:srgbClr val="FFC000"/>
+      </a:accent4>
+      <a:accent5>
+        <a:srgbClr val="5B9BD5"/>
+      </a:accent5>
+      <a:accent6>
+        <a:srgbClr val="70AD47"/>
+      </a:accent6>
+      <a:hlink>
+        <a:srgbClr val="0563C1"/>
+      </a:hlink>
+      <a:folHlink>
+        <a:srgbClr val="954F72"/>
+      </a:folHlink>
+    </a:clrScheme>
+    <a:fontScheme name="Office">
+      <a:majorFont>
+        <a:latin typeface="Calibri Light" panose="020F0302020204030204"/>
+        <a:ea typeface=""/>
+        <a:cs typeface=""/>
+        <a:font script="Jpan" typeface="游ゴシック Light"/>
+        <a:font script="Hang" typeface="맑은 고딕"/>
+        <a:font script="Hans" typeface="等线 Light"/>
+        <a:font script="Hant" typeface="新細明體"/>
+        <a:font script="Arab" typeface="Times New Roman"/>
+        <a:font script="Hebr" typeface="Times New Roman"/>
+        <a:font script="Thai" typeface="Angsana New"/>
+        <a:font script="Ethi" typeface="Nyala"/>
+        <a:font script="Beng" typeface="Vrinda"/>
+        <a:font script="Gujr" typeface="Shruti"/>
+        <a:font script="Khmr" typeface="MoolBoran"/>
+        <a:font script="Knda" typeface="Tunga"/>
+        <a:font script="Guru" typeface="Raavi"/>
+        <a:font script="Cans" typeface="Euphemia"/>
+        <a:font script="Cher" typeface="Plantagenet Cherokee"/>
+        <a:font script="Yiii" typeface="Microsoft Yi Baiti"/>
+        <a:font script="Tibt" typeface="Microsoft Himalaya"/>
+        <a:font script="Thaa" typeface="MV Boli"/>
+        <a:font script="Deva" typeface="Mangal"/>
+        <a:font script="Telu" typeface="Gautami"/>
+        <a:font script="Taml" typeface="Latha"/>
+        <a:font script="Syrc" typeface="Estrangelo Edessa"/>
+        <a:font script="Orya" typeface="Kalinga"/>
+        <a:font script="Mlym" typeface="Kartika"/>
+        <a:font script="Laoo" typeface="DokChampa"/>
+        <a:font script="Sinh" typeface="Iskoola Pota"/>
+        <a:font script="Mong" typeface="Mongolian Baiti"/>
+        <a:font script="Viet" typeface="Times New Roman"/>
+        <a:font script="Uigh" typeface="Microsoft Uighur"/>
+        <a:font script="Geor" typeface="Sylfaen"/>
+        <a:font script="Armn" typeface="Arial"/>
+        <a:font script="Bugi" typeface="Leelawadee UI"/>
+        <a:font script="Bopo" typeface="Microsoft JhengHei"/>
+        <a:font script="Java" typeface="Javanese Text"/>
+        <a:font script="Lisu" typeface="Segoe UI"/>
+        <a:font script="Mymr" typeface="Myanmar Text"/>
+        <a:font script="Nkoo" typeface="Ebrima"/>
+        <a:font script="Olck" typeface="Nirmala UI"/>
+        <a:font script="Osma" typeface="Ebrima"/>
+        <a:font script="Phag" typeface="Phagspa"/>
+        <a:font script="Syrn" typeface="Estrangelo Edessa"/>
+        <a:font script="Syrj" typeface="Estrangelo Edessa"/>
+        <a:font script="Syre" typeface="Estrangelo Edessa"/>
+        <a:font script="Sora" typeface="Nirmala UI"/>
+        <a:font script="Tale" typeface="Microsoft Tai Le"/>
+        <a:font script="Talu" typeface="Microsoft New Tai Lue"/>
+        <a:font script="Tfng" typeface="Ebrima"/>
+      </a:majorFont>
+      <a:minorFont>
+        <a:latin typeface="Calibri" panose="020F0502020204030204"/>
+        <a:ea typeface=""/>
+        <a:cs typeface=""/>
+        <a:font script="Jpan" typeface="游ゴシック"/>
+        <a:font script="Hang" typeface="맑은 고딕"/>
+        <a:font script="Hans" typeface="等线"/>
+        <a:font script="Hant" typeface="新細明體"/>
+        <a:font script="Arab" typeface="Arial"/>
+        <a:font script="Hebr" typeface="Arial"/>
+        <a:font script="Thai" typeface="Cordia New"/>
+        <a:font script="Ethi" typeface="Nyala"/>
+        <a:font script="Beng" typeface="Vrinda"/>
+        <a:font script="Gujr" typeface="Shruti"/>
+        <a:font script="Khmr" typeface="DaunPenh"/>
+        <a:font script="Knda" typeface="Tunga"/>
+        <a:font script="Guru" typeface="Raavi"/>
+        <a:font script="Cans" typeface="Euphemia"/>
+        <a:font script="Cher" typeface="Plantagenet Cherokee"/>
+        <a:font script="Yiii" typeface="Microsoft Yi Baiti"/>
+        <a:font script="Tibt" typeface="Microsoft Himalaya"/>
+        <a:font script="Thaa" typeface="MV Boli"/>
+        <a:font script="Deva" typeface="Mangal"/>
+        <a:font script="Telu" typeface="Gautami"/>
+        <a:font script="Taml" typeface="Latha"/>
+        <a:font script="Syrc" typeface="Estrangelo Edessa"/>
+        <a:font script="Orya" typeface="Kalinga"/>
+        <a:font script="Mlym" typeface="Kartika"/>
+        <a:font script="Laoo" typeface="DokChampa"/>
+        <a:font script="Sinh" typeface="Iskoola Pota"/>
+        <a:font script="Mong" typeface="Mongolian Baiti"/>
+        <a:font script="Viet" typeface="Arial"/>
+        <a:font script="Uigh" typeface="Microsoft Uighur"/>
+        <a:font script="Geor" typeface="Sylfaen"/>
+        <a:font script="Armn" typeface="Arial"/>
+        <a:font script="Bugi" typeface="Leelawadee UI"/>
+        <a:font script="Bopo" typeface="Microsoft JhengHei"/>
+        <a:font script="Java" typeface="Javanese Text"/>
+        <a:font script="Lisu" typeface="Segoe UI"/>
+        <a:font script="Mymr" typeface="Myanmar Text"/>
+        <a:font script="Nkoo" typeface="Ebrima"/>
+        <a:font script="Olck" typeface="Nirmala UI"/>
+        <a:font script="Osma" typeface="Ebrima"/>
+        <a:font script="Phag" typeface="Phagspa"/>
+        <a:font script="Syrn" typeface="Estrangelo Edessa"/>
+        <a:font script="Syrj" typeface="Estrangelo Edessa"/>
+        <a:font script="Syre" typeface="Estrangelo Edessa"/>
+        <a:font script="Sora" typeface="Nirmala UI"/>
+        <a:font script="Tale" typeface="Microsoft Tai Le"/>
+        <a:font script="Talu" typeface="Microsoft New Tai Lue"/>
+        <a:font script="Tfng" typeface="Ebrima"/>
+      </a:minorFont>
+    </a:fontScheme>
+    <a:fmtScheme name="Office">
+      <a:fillStyleLst>
+        <a:solidFill>
+          <a:schemeClr val="phClr"/>
+        </a:solidFill>
+        <a:gradFill rotWithShape="1">
+          <a:gsLst>
+            <a:gs pos="0">
+              <a:schemeClr val="phClr">
+                <a:lumMod val="110000"/>
+                <a:satMod val="105000"/>
+                <a:tint val="67000"/>
+              </a:schemeClr>
+            </a:gs>
+            <a:gs pos="50000">
+              <a:schemeClr val="phClr">
+                <a:lumMod val="105000"/>
+                <a:satMod val="103000"/>
+                <a:tint val="73000"/>
+              </a:schemeClr>
+            </a:gs>
+            <a:gs pos="100000">
+              <a:schemeClr val="phClr">
+                <a:lumMod val="105000"/>
+                <a:satMod val="109000"/>
+                <a:tint val="81000"/>
+              </a:schemeClr>
+            </a:gs>
+          </a:gsLst>
+          <a:lin ang="5400000" scaled="0"/>
+        </a:gradFill>
+        <a:gradFill rotWithShape="1">
+          <a:gsLst>
+            <a:gs pos="0">
+              <a:schemeClr val="phClr">
+                <a:satMod val="103000"/>
+                <a:lumMod val="102000"/>
+                <a:tint val="94000"/>
+              </a:schemeClr>
+            </a:gs>
+            <a:gs pos="50000">
+              <a:schemeClr val="phClr">
+                <a:satMod val="110000"/>
+                <a:lumMod val="100000"/>
+                <a:shade val="100000"/>
+              </a:schemeClr>
+            </a:gs>
+            <a:gs pos="100000">
+              <a:schemeClr val="phClr">
+                <a:lumMod val="99000"/>
+                <a:satMod val="120000"/>
+                <a:shade val="78000"/>
+              </a:schemeClr>
+            </a:gs>
+          </a:gsLst>
+          <a:lin ang="5400000" scaled="0"/>
+        </a:gradFill>
+      </a:fillStyleLst>
+      <a:lnStyleLst>
+        <a:ln w="6350" cap="flat" cmpd="sng" algn="ctr">
+          <a:solidFill>
+            <a:schemeClr val="phClr"/>
+          </a:solidFill>
+          <a:prstDash val="solid"/>
+          <a:miter lim="800000"/>
+        </a:ln>
+        <a:ln w="12700" cap="flat" cmpd="sng" algn="ctr">
+          <a:solidFill>
+            <a:schemeClr val="phClr"/>
+          </a:solidFill>
+          <a:prstDash val="solid"/>
+          <a:miter lim="800000"/>
+        </a:ln>
+        <a:ln w="19050" cap="flat" cmpd="sng" algn="ctr">
+          <a:solidFill>
+            <a:schemeClr val="phClr"/>
+          </a:solidFill>
+          <a:prstDash val="solid"/>
+          <a:miter lim="800000"/>
+        </a:ln>
+      </a:lnStyleLst>
+      <a:effectStyleLst>
+        <a:effectStyle>
+          <a:effectLst/>
+        </a:effectStyle>
+        <a:effectStyle>
+          <a:effectLst/>
+        </a:effectStyle>
+        <a:effectStyle>
+          <a:effectLst>
+            <a:outerShdw blurRad="57150" dist="19050" dir="5400000" algn="ctr" rotWithShape="0">
+              <a:srgbClr val="000000">
+                <a:alpha val="63000"/>
+              </a:srgbClr>
+            </a:outerShdw>
+          </a:effectLst>
+        </a:effectStyle>
+      </a:effectStyleLst>
+      <a:bgFillStyleLst>
+        <a:solidFill>
+          <a:schemeClr val="phClr"/>
+        </a:solidFill>
+        <a:solidFill>
+          <a:schemeClr val="phClr">
+            <a:tint val="95000"/>
+            <a:satMod val="170000"/>
+          </a:schemeClr>
+        </a:solidFill>
+        <a:gradFill rotWithShape="1">
+          <a:gsLst>
+            <a:gs pos="0">
+              <a:schemeClr val="phClr">
+                <a:tint val="93000"/>
+                <a:satMod val="150000"/>
+                <a:shade val="98000"/>
+                <a:lumMod val="102000"/>
+              </a:schemeClr>
+            </a:gs>
+            <a:gs pos="50000">
+              <a:schemeClr val="phClr">
+                <a:tint val="98000"/>
+                <a:satMod val="130000"/>
+                <a:shade val="90000"/>
+                <a:lumMod val="103000"/>
+              </a:schemeClr>
+            </a:gs>
+            <a:gs pos="100000">
+              <a:schemeClr val="phClr">
+                <a:shade val="63000"/>
+                <a:satMod val="120000"/>
+              </a:schemeClr>
+            </a:gs>
+          </a:gsLst>
+          <a:lin ang="5400000" scaled="0"/>
+        </a:gradFill>
+      </a:bgFillStyleLst>
+    </a:fmtScheme>
+  </a:themeElements>
+  <a:objectDefaults/>
+  <a:extraClrSchemeLst/>
+  <a:extLst>
+    <a:ext uri="{05A4C25C-085E-4340-85A3-A5531E510DB2}">
+      <thm15:themeFamily xmlns:thm15="http://schemas.microsoft.com/office/thememl/2012/main" name="Office Theme" id="{62F939B6-93AF-4DB8-9C6B-D6C7DFDC589F}" vid="{4A3C46E8-61CC-4603-A589-7422A47A8E4A}"/>
+    </a:ext>
+  </a:extLst>
+</a:theme>
 </file>
--- a/EDA.pptx
+++ b/EDA.pptx
@@ -4267,40 +4267,6 @@
           </a:p>
         </p:txBody>
       </p:sp>
-      <p:pic>
-        <p:nvPicPr>
-          <p:cNvPr id="5" name="Content Placeholder 4" descr="A screenshot of a cell phone&#10;&#10;Description automatically generated">
-            <a:extLst>
-              <a:ext uri="{FF2B5EF4-FFF2-40B4-BE49-F238E27FC236}">
-                <a16:creationId xmlns:a16="http://schemas.microsoft.com/office/drawing/2014/main" id="{2DD11799-4B24-4CBB-AF02-25A99A787C54}"/>
-              </a:ext>
-            </a:extLst>
-          </p:cNvPr>
-          <p:cNvPicPr>
-            <a:picLocks noGrp="1" noChangeAspect="1"/>
-          </p:cNvPicPr>
-          <p:nvPr>
-            <p:ph type="pic" idx="1"/>
-          </p:nvPr>
-        </p:nvPicPr>
-        <p:blipFill rotWithShape="1">
-          <a:blip r:embed="rId2">
-            <a:extLst>
-              <a:ext uri="{28A0092B-C50C-407E-A947-70E740481C1C}">
-                <a14:useLocalDpi xmlns:a14="http://schemas.microsoft.com/office/drawing/2010/main" val="0"/>
-              </a:ext>
-            </a:extLst>
-          </a:blip>
-          <a:srcRect l="3433" r="7785"/>
-          <a:stretch/>
-        </p:blipFill>
-        <p:spPr>
-          <a:xfrm>
-            <a:off x="4865077" y="987425"/>
-            <a:ext cx="6490311" cy="4873625"/>
-          </a:xfrm>
-        </p:spPr>
-      </p:pic>
       <p:sp>
         <p:nvSpPr>
           <p:cNvPr id="7" name="Text Placeholder 6">
@@ -4374,6 +4340,40 @@
           </a:p>
         </p:txBody>
       </p:sp>
+      <p:pic>
+        <p:nvPicPr>
+          <p:cNvPr id="16" name="Picture Placeholder 15" descr="A screenshot of a cell phone&#10;&#10;Description automatically generated">
+            <a:extLst>
+              <a:ext uri="{FF2B5EF4-FFF2-40B4-BE49-F238E27FC236}">
+                <a16:creationId xmlns:a16="http://schemas.microsoft.com/office/drawing/2014/main" id="{78C9E0A3-9EF5-4EBC-9F7A-574B84A2CE28}"/>
+              </a:ext>
+            </a:extLst>
+          </p:cNvPr>
+          <p:cNvPicPr>
+            <a:picLocks noGrp="1" noChangeAspect="1"/>
+          </p:cNvPicPr>
+          <p:nvPr>
+            <p:ph type="pic" idx="1"/>
+          </p:nvPr>
+        </p:nvPicPr>
+        <p:blipFill rotWithShape="1">
+          <a:blip r:embed="rId2">
+            <a:extLst>
+              <a:ext uri="{28A0092B-C50C-407E-A947-70E740481C1C}">
+                <a14:useLocalDpi xmlns:a14="http://schemas.microsoft.com/office/drawing/2010/main" val="0"/>
+              </a:ext>
+            </a:extLst>
+          </a:blip>
+          <a:srcRect t="-613" b="761"/>
+          <a:stretch/>
+        </p:blipFill>
+        <p:spPr>
+          <a:xfrm>
+            <a:off x="4772025" y="136525"/>
+            <a:ext cx="7302744" cy="6219825"/>
+          </a:xfrm>
+        </p:spPr>
+      </p:pic>
     </p:spTree>
     <p:extLst>
       <p:ext uri="{BB962C8B-B14F-4D97-AF65-F5344CB8AC3E}">
